--- a/Estructura Organizacional - P2.pptx
+++ b/Estructura Organizacional - P2.pptx
@@ -6,6 +6,8 @@
   </p:sldMasterIdLst>
   <p:sldIdLst>
     <p:sldId id="256" r:id="rId2"/>
+    <p:sldId id="257" r:id="rId3"/>
+    <p:sldId id="258" r:id="rId4"/>
   </p:sldIdLst>
   <p:sldSz cx="9144000" cy="6858000" type="screen4x3"/>
   <p:notesSz cx="6858000" cy="9144000"/>
@@ -1092,14 +1094,14 @@
             <a:t>Jefe Proyecto (</a:t>
           </a:r>
           <a:r>
-            <a:rPr lang="es-PE" dirty="0" err="1">
+            <a:rPr lang="es-PE" dirty="0" err="1" smtClean="0">
               <a:latin typeface="Calibri" panose="020F0502020204030204" pitchFamily="34" charset="0"/>
               <a:cs typeface="Calibri" panose="020F0502020204030204" pitchFamily="34" charset="0"/>
             </a:rPr>
-            <a:t>Yackeline</a:t>
+            <a:t>Yacqueline</a:t>
           </a:r>
           <a:r>
-            <a:rPr lang="es-PE" dirty="0">
+            <a:rPr lang="es-PE" dirty="0" smtClean="0">
               <a:latin typeface="Calibri" panose="020F0502020204030204" pitchFamily="34" charset="0"/>
               <a:cs typeface="Calibri" panose="020F0502020204030204" pitchFamily="34" charset="0"/>
             </a:rPr>
@@ -1195,6 +1197,13 @@
         </dgm:presLayoutVars>
       </dgm:prSet>
       <dgm:spPr/>
+      <dgm:t>
+        <a:bodyPr/>
+        <a:lstStyle/>
+        <a:p>
+          <a:endParaRPr lang="es-ES"/>
+        </a:p>
+      </dgm:t>
     </dgm:pt>
     <dgm:pt modelId="{8CCBF018-DDBE-48EE-9973-378791E09758}" type="pres">
       <dgm:prSet presAssocID="{434CED22-4D56-4A5F-B57A-39CDCBF63324}" presName="hierRoot1" presStyleCnt="0">
@@ -1215,10 +1224,24 @@
         </dgm:presLayoutVars>
       </dgm:prSet>
       <dgm:spPr/>
+      <dgm:t>
+        <a:bodyPr/>
+        <a:lstStyle/>
+        <a:p>
+          <a:endParaRPr lang="es-ES"/>
+        </a:p>
+      </dgm:t>
     </dgm:pt>
     <dgm:pt modelId="{71BC082F-B545-48BB-A90F-F28AC6C8540B}" type="pres">
       <dgm:prSet presAssocID="{434CED22-4D56-4A5F-B57A-39CDCBF63324}" presName="rootConnector1" presStyleLbl="node1" presStyleIdx="0" presStyleCnt="0"/>
       <dgm:spPr/>
+      <dgm:t>
+        <a:bodyPr/>
+        <a:lstStyle/>
+        <a:p>
+          <a:endParaRPr lang="es-ES"/>
+        </a:p>
+      </dgm:t>
     </dgm:pt>
     <dgm:pt modelId="{56AEB15B-67A4-4337-BAAF-EE3C7BFB6346}" type="pres">
       <dgm:prSet presAssocID="{434CED22-4D56-4A5F-B57A-39CDCBF63324}" presName="hierChild2" presStyleCnt="0"/>
@@ -1227,6 +1250,13 @@
     <dgm:pt modelId="{65065096-A14B-4AC3-89A7-BD35DBE15C87}" type="pres">
       <dgm:prSet presAssocID="{1CF706EF-6FF8-4552-94D5-66BCE53EBF1A}" presName="Name37" presStyleLbl="parChTrans1D2" presStyleIdx="0" presStyleCnt="1"/>
       <dgm:spPr/>
+      <dgm:t>
+        <a:bodyPr/>
+        <a:lstStyle/>
+        <a:p>
+          <a:endParaRPr lang="es-ES"/>
+        </a:p>
+      </dgm:t>
     </dgm:pt>
     <dgm:pt modelId="{76CDA812-CB6D-4894-A023-C1D41E5CE0B5}" type="pres">
       <dgm:prSet presAssocID="{C859A2C9-1D3E-4814-82F6-B9BB1D399964}" presName="hierRoot2" presStyleCnt="0">
@@ -1247,10 +1277,24 @@
         </dgm:presLayoutVars>
       </dgm:prSet>
       <dgm:spPr/>
+      <dgm:t>
+        <a:bodyPr/>
+        <a:lstStyle/>
+        <a:p>
+          <a:endParaRPr lang="es-ES"/>
+        </a:p>
+      </dgm:t>
     </dgm:pt>
     <dgm:pt modelId="{DE539F92-A38F-4566-9476-3B51DFF02BB2}" type="pres">
       <dgm:prSet presAssocID="{C859A2C9-1D3E-4814-82F6-B9BB1D399964}" presName="rootConnector" presStyleLbl="node2" presStyleIdx="0" presStyleCnt="1"/>
       <dgm:spPr/>
+      <dgm:t>
+        <a:bodyPr/>
+        <a:lstStyle/>
+        <a:p>
+          <a:endParaRPr lang="es-ES"/>
+        </a:p>
+      </dgm:t>
     </dgm:pt>
     <dgm:pt modelId="{C7A9C840-8AFE-4F5B-90B7-FCFE2FD334A7}" type="pres">
       <dgm:prSet presAssocID="{C859A2C9-1D3E-4814-82F6-B9BB1D399964}" presName="hierChild4" presStyleCnt="0"/>
@@ -1259,6 +1303,13 @@
     <dgm:pt modelId="{21E07CC2-2920-4051-A5EC-FB1EC0F9D388}" type="pres">
       <dgm:prSet presAssocID="{6C03B6A7-E1AC-4D66-A2FF-61E218904452}" presName="Name37" presStyleLbl="parChTrans1D3" presStyleIdx="0" presStyleCnt="2"/>
       <dgm:spPr/>
+      <dgm:t>
+        <a:bodyPr/>
+        <a:lstStyle/>
+        <a:p>
+          <a:endParaRPr lang="es-ES"/>
+        </a:p>
+      </dgm:t>
     </dgm:pt>
     <dgm:pt modelId="{55337E26-264A-4665-8048-A308041426C3}" type="pres">
       <dgm:prSet presAssocID="{4B580D80-AB16-4E67-8558-10A9F3DD5F22}" presName="hierRoot2" presStyleCnt="0">
@@ -1279,10 +1330,24 @@
         </dgm:presLayoutVars>
       </dgm:prSet>
       <dgm:spPr/>
+      <dgm:t>
+        <a:bodyPr/>
+        <a:lstStyle/>
+        <a:p>
+          <a:endParaRPr lang="es-ES"/>
+        </a:p>
+      </dgm:t>
     </dgm:pt>
     <dgm:pt modelId="{1351FE19-389B-4557-B38E-54177A6E8153}" type="pres">
       <dgm:prSet presAssocID="{4B580D80-AB16-4E67-8558-10A9F3DD5F22}" presName="rootConnector" presStyleLbl="node3" presStyleIdx="0" presStyleCnt="2"/>
       <dgm:spPr/>
+      <dgm:t>
+        <a:bodyPr/>
+        <a:lstStyle/>
+        <a:p>
+          <a:endParaRPr lang="es-ES"/>
+        </a:p>
+      </dgm:t>
     </dgm:pt>
     <dgm:pt modelId="{3BD7816B-B276-49A1-85C7-180B00FC8694}" type="pres">
       <dgm:prSet presAssocID="{4B580D80-AB16-4E67-8558-10A9F3DD5F22}" presName="hierChild4" presStyleCnt="0"/>
@@ -1295,6 +1360,13 @@
     <dgm:pt modelId="{AB499060-3527-4037-A89A-F7C9BB18B840}" type="pres">
       <dgm:prSet presAssocID="{63E4F311-E877-49B5-B8E7-EBBB9CDD145E}" presName="Name37" presStyleLbl="parChTrans1D3" presStyleIdx="1" presStyleCnt="2"/>
       <dgm:spPr/>
+      <dgm:t>
+        <a:bodyPr/>
+        <a:lstStyle/>
+        <a:p>
+          <a:endParaRPr lang="es-ES"/>
+        </a:p>
+      </dgm:t>
     </dgm:pt>
     <dgm:pt modelId="{81FCE6F3-97C2-485D-B380-5063EB1A3181}" type="pres">
       <dgm:prSet presAssocID="{36F0D7D7-AB66-4BC6-A6A8-B0E3E7968EAD}" presName="hierRoot2" presStyleCnt="0">
@@ -1315,10 +1387,24 @@
         </dgm:presLayoutVars>
       </dgm:prSet>
       <dgm:spPr/>
+      <dgm:t>
+        <a:bodyPr/>
+        <a:lstStyle/>
+        <a:p>
+          <a:endParaRPr lang="es-ES"/>
+        </a:p>
+      </dgm:t>
     </dgm:pt>
     <dgm:pt modelId="{9E00909F-0635-46F1-ACEA-AE991F87D28B}" type="pres">
       <dgm:prSet presAssocID="{36F0D7D7-AB66-4BC6-A6A8-B0E3E7968EAD}" presName="rootConnector" presStyleLbl="node3" presStyleIdx="1" presStyleCnt="2"/>
       <dgm:spPr/>
+      <dgm:t>
+        <a:bodyPr/>
+        <a:lstStyle/>
+        <a:p>
+          <a:endParaRPr lang="es-ES"/>
+        </a:p>
+      </dgm:t>
     </dgm:pt>
     <dgm:pt modelId="{AD1F69F9-B56A-4B25-8E3B-E29868E6C3EE}" type="pres">
       <dgm:prSet presAssocID="{36F0D7D7-AB66-4BC6-A6A8-B0E3E7968EAD}" presName="hierChild4" presStyleCnt="0"/>
@@ -1327,6 +1413,13 @@
     <dgm:pt modelId="{C8B46DAB-AAF5-4702-897D-D6E0CE5BF7A8}" type="pres">
       <dgm:prSet presAssocID="{7727FAFE-3100-4232-B50C-B4147BE72B85}" presName="Name37" presStyleLbl="parChTrans1D4" presStyleIdx="0" presStyleCnt="2"/>
       <dgm:spPr/>
+      <dgm:t>
+        <a:bodyPr/>
+        <a:lstStyle/>
+        <a:p>
+          <a:endParaRPr lang="es-ES"/>
+        </a:p>
+      </dgm:t>
     </dgm:pt>
     <dgm:pt modelId="{D7716B73-231B-47C6-A066-224447F9F58B}" type="pres">
       <dgm:prSet presAssocID="{44CDA0CF-BDEC-4CFC-9EDB-8E43CD14EFA0}" presName="hierRoot2" presStyleCnt="0">
@@ -1341,16 +1434,30 @@
       <dgm:spPr/>
     </dgm:pt>
     <dgm:pt modelId="{47A4097B-9449-4CFE-A6BE-3298CC4B06C2}" type="pres">
-      <dgm:prSet presAssocID="{44CDA0CF-BDEC-4CFC-9EDB-8E43CD14EFA0}" presName="rootText" presStyleLbl="node4" presStyleIdx="0" presStyleCnt="2">
+      <dgm:prSet presAssocID="{44CDA0CF-BDEC-4CFC-9EDB-8E43CD14EFA0}" presName="rootText" presStyleLbl="node4" presStyleIdx="0" presStyleCnt="2" custLinFactNeighborX="77158" custLinFactNeighborY="-6407">
         <dgm:presLayoutVars>
           <dgm:chPref val="3"/>
         </dgm:presLayoutVars>
       </dgm:prSet>
       <dgm:spPr/>
+      <dgm:t>
+        <a:bodyPr/>
+        <a:lstStyle/>
+        <a:p>
+          <a:endParaRPr lang="es-ES"/>
+        </a:p>
+      </dgm:t>
     </dgm:pt>
     <dgm:pt modelId="{2F8FABE8-B2E2-4E38-AB72-2D62B5A5A10F}" type="pres">
       <dgm:prSet presAssocID="{44CDA0CF-BDEC-4CFC-9EDB-8E43CD14EFA0}" presName="rootConnector" presStyleLbl="node4" presStyleIdx="0" presStyleCnt="2"/>
       <dgm:spPr/>
+      <dgm:t>
+        <a:bodyPr/>
+        <a:lstStyle/>
+        <a:p>
+          <a:endParaRPr lang="es-ES"/>
+        </a:p>
+      </dgm:t>
     </dgm:pt>
     <dgm:pt modelId="{579CA001-D433-4F14-8AB1-0949D82D6CDA}" type="pres">
       <dgm:prSet presAssocID="{44CDA0CF-BDEC-4CFC-9EDB-8E43CD14EFA0}" presName="hierChild4" presStyleCnt="0"/>
@@ -1363,6 +1470,13 @@
     <dgm:pt modelId="{924710A8-E278-49F0-A0E6-ED588D992F05}" type="pres">
       <dgm:prSet presAssocID="{8825AB9F-B978-4EF9-9936-87F8DAD23602}" presName="Name37" presStyleLbl="parChTrans1D4" presStyleIdx="1" presStyleCnt="2"/>
       <dgm:spPr/>
+      <dgm:t>
+        <a:bodyPr/>
+        <a:lstStyle/>
+        <a:p>
+          <a:endParaRPr lang="es-ES"/>
+        </a:p>
+      </dgm:t>
     </dgm:pt>
     <dgm:pt modelId="{F8195F95-F9B8-4ADF-A891-83D2843D61D9}" type="pres">
       <dgm:prSet presAssocID="{7A3AA5FB-1085-49A7-B15C-22B37973B373}" presName="hierRoot2" presStyleCnt="0">
@@ -1377,16 +1491,30 @@
       <dgm:spPr/>
     </dgm:pt>
     <dgm:pt modelId="{604563D0-46B9-42EF-9D97-997C7257C8DA}" type="pres">
-      <dgm:prSet presAssocID="{7A3AA5FB-1085-49A7-B15C-22B37973B373}" presName="rootText" presStyleLbl="node4" presStyleIdx="1" presStyleCnt="2">
+      <dgm:prSet presAssocID="{7A3AA5FB-1085-49A7-B15C-22B37973B373}" presName="rootText" presStyleLbl="node4" presStyleIdx="1" presStyleCnt="2" custLinFactNeighborX="-17094" custLinFactNeighborY="-7029">
         <dgm:presLayoutVars>
           <dgm:chPref val="3"/>
         </dgm:presLayoutVars>
       </dgm:prSet>
       <dgm:spPr/>
+      <dgm:t>
+        <a:bodyPr/>
+        <a:lstStyle/>
+        <a:p>
+          <a:endParaRPr lang="es-ES"/>
+        </a:p>
+      </dgm:t>
     </dgm:pt>
     <dgm:pt modelId="{D3954813-4E8B-4CDA-AA2A-DEF7F9E4C7EC}" type="pres">
       <dgm:prSet presAssocID="{7A3AA5FB-1085-49A7-B15C-22B37973B373}" presName="rootConnector" presStyleLbl="node4" presStyleIdx="1" presStyleCnt="2"/>
       <dgm:spPr/>
+      <dgm:t>
+        <a:bodyPr/>
+        <a:lstStyle/>
+        <a:p>
+          <a:endParaRPr lang="es-ES"/>
+        </a:p>
+      </dgm:t>
     </dgm:pt>
     <dgm:pt modelId="{068F9C36-AC67-4F46-B82E-CDDA3B718A57}" type="pres">
       <dgm:prSet presAssocID="{7A3AA5FB-1085-49A7-B15C-22B37973B373}" presName="hierChild4" presStyleCnt="0"/>
@@ -1410,30 +1538,30 @@
     </dgm:pt>
   </dgm:ptLst>
   <dgm:cxnLst>
+    <dgm:cxn modelId="{24B3F415-09CC-4F6B-931F-3C37B7EA5A54}" type="presOf" srcId="{36F0D7D7-AB66-4BC6-A6A8-B0E3E7968EAD}" destId="{86CA32A5-2273-4AAB-B283-9A4550A10D6D}" srcOrd="0" destOrd="0" presId="urn:microsoft.com/office/officeart/2005/8/layout/orgChart1"/>
+    <dgm:cxn modelId="{DE929630-C6A7-4888-BF33-904C47DDF78E}" type="presOf" srcId="{4B580D80-AB16-4E67-8558-10A9F3DD5F22}" destId="{AB9F07B7-2138-4E58-AF7F-3DCA3717A519}" srcOrd="0" destOrd="0" presId="urn:microsoft.com/office/officeart/2005/8/layout/orgChart1"/>
+    <dgm:cxn modelId="{9F9F6018-34BC-4481-AC39-527D4EE68338}" type="presOf" srcId="{7A3AA5FB-1085-49A7-B15C-22B37973B373}" destId="{D3954813-4E8B-4CDA-AA2A-DEF7F9E4C7EC}" srcOrd="1" destOrd="0" presId="urn:microsoft.com/office/officeart/2005/8/layout/orgChart1"/>
+    <dgm:cxn modelId="{EE4374FF-6D7A-49C5-9E1B-22A8982F1074}" srcId="{434CED22-4D56-4A5F-B57A-39CDCBF63324}" destId="{C859A2C9-1D3E-4814-82F6-B9BB1D399964}" srcOrd="0" destOrd="0" parTransId="{1CF706EF-6FF8-4552-94D5-66BCE53EBF1A}" sibTransId="{93C0C01E-AB3B-4A95-B7A4-57AD1FB1CA9E}"/>
+    <dgm:cxn modelId="{143402A9-8C9A-4ED3-A5B9-2951A12AA359}" type="presOf" srcId="{C859A2C9-1D3E-4814-82F6-B9BB1D399964}" destId="{DE539F92-A38F-4566-9476-3B51DFF02BB2}" srcOrd="1" destOrd="0" presId="urn:microsoft.com/office/officeart/2005/8/layout/orgChart1"/>
+    <dgm:cxn modelId="{2C947E35-DE73-4DAF-9EC4-005902B515BD}" type="presOf" srcId="{63E4F311-E877-49B5-B8E7-EBBB9CDD145E}" destId="{AB499060-3527-4037-A89A-F7C9BB18B840}" srcOrd="0" destOrd="0" presId="urn:microsoft.com/office/officeart/2005/8/layout/orgChart1"/>
+    <dgm:cxn modelId="{B5E74307-4241-4DA1-AE61-5FB369D3B0DB}" srcId="{C859A2C9-1D3E-4814-82F6-B9BB1D399964}" destId="{36F0D7D7-AB66-4BC6-A6A8-B0E3E7968EAD}" srcOrd="1" destOrd="0" parTransId="{63E4F311-E877-49B5-B8E7-EBBB9CDD145E}" sibTransId="{32889D96-4C10-40C9-A178-02CB22056CA9}"/>
+    <dgm:cxn modelId="{5DBDCBF6-A2EB-4ABF-A687-C70EC8975143}" type="presOf" srcId="{434CED22-4D56-4A5F-B57A-39CDCBF63324}" destId="{71BC082F-B545-48BB-A90F-F28AC6C8540B}" srcOrd="1" destOrd="0" presId="urn:microsoft.com/office/officeart/2005/8/layout/orgChart1"/>
+    <dgm:cxn modelId="{409468CA-5C86-41C0-990C-1C97404BD2B6}" type="presOf" srcId="{434CED22-4D56-4A5F-B57A-39CDCBF63324}" destId="{2B6865D7-5BE8-4A66-89D3-9580F48C28BA}" srcOrd="0" destOrd="0" presId="urn:microsoft.com/office/officeart/2005/8/layout/orgChart1"/>
+    <dgm:cxn modelId="{CA4BB02B-4018-4F48-9DBA-1979AFFC44A2}" type="presOf" srcId="{44CDA0CF-BDEC-4CFC-9EDB-8E43CD14EFA0}" destId="{2F8FABE8-B2E2-4E38-AB72-2D62B5A5A10F}" srcOrd="1" destOrd="0" presId="urn:microsoft.com/office/officeart/2005/8/layout/orgChart1"/>
+    <dgm:cxn modelId="{DD431827-8F8D-4F4F-9CC2-A9EDABA8F087}" type="presOf" srcId="{8825AB9F-B978-4EF9-9936-87F8DAD23602}" destId="{924710A8-E278-49F0-A0E6-ED588D992F05}" srcOrd="0" destOrd="0" presId="urn:microsoft.com/office/officeart/2005/8/layout/orgChart1"/>
+    <dgm:cxn modelId="{9738F3B9-E449-419B-A87C-5DD18023B5B4}" type="presOf" srcId="{A6A3123D-4521-42A2-8EE2-61A73A7320A6}" destId="{32E513F1-02D3-4B19-88BA-A064A369F005}" srcOrd="0" destOrd="0" presId="urn:microsoft.com/office/officeart/2005/8/layout/orgChart1"/>
+    <dgm:cxn modelId="{F3224653-C387-4401-A235-7FBD782D6112}" srcId="{36F0D7D7-AB66-4BC6-A6A8-B0E3E7968EAD}" destId="{44CDA0CF-BDEC-4CFC-9EDB-8E43CD14EFA0}" srcOrd="0" destOrd="0" parTransId="{7727FAFE-3100-4232-B50C-B4147BE72B85}" sibTransId="{D7F5C1E1-9E1F-49B3-BD42-38D9EBE7652A}"/>
+    <dgm:cxn modelId="{1A2C18CF-EF70-4488-9E2A-2C5E204CD57B}" type="presOf" srcId="{4B580D80-AB16-4E67-8558-10A9F3DD5F22}" destId="{1351FE19-389B-4557-B38E-54177A6E8153}" srcOrd="1" destOrd="0" presId="urn:microsoft.com/office/officeart/2005/8/layout/orgChart1"/>
+    <dgm:cxn modelId="{65819FA9-686A-41B4-9DD9-92E9622AAFB5}" srcId="{36F0D7D7-AB66-4BC6-A6A8-B0E3E7968EAD}" destId="{7A3AA5FB-1085-49A7-B15C-22B37973B373}" srcOrd="1" destOrd="0" parTransId="{8825AB9F-B978-4EF9-9936-87F8DAD23602}" sibTransId="{A45EFC37-F4E4-46D1-8292-46E1406579AD}"/>
+    <dgm:cxn modelId="{AFE60236-62C2-476C-A52F-0C0B21799246}" type="presOf" srcId="{C859A2C9-1D3E-4814-82F6-B9BB1D399964}" destId="{D2B11F8C-9FFE-4DE4-A197-6E4723A1BE33}" srcOrd="0" destOrd="0" presId="urn:microsoft.com/office/officeart/2005/8/layout/orgChart1"/>
     <dgm:cxn modelId="{1E0CB003-FB2D-42B0-8C56-A37088063A8A}" type="presOf" srcId="{7727FAFE-3100-4232-B50C-B4147BE72B85}" destId="{C8B46DAB-AAF5-4702-897D-D6E0CE5BF7A8}" srcOrd="0" destOrd="0" presId="urn:microsoft.com/office/officeart/2005/8/layout/orgChart1"/>
-    <dgm:cxn modelId="{B5E74307-4241-4DA1-AE61-5FB369D3B0DB}" srcId="{C859A2C9-1D3E-4814-82F6-B9BB1D399964}" destId="{36F0D7D7-AB66-4BC6-A6A8-B0E3E7968EAD}" srcOrd="1" destOrd="0" parTransId="{63E4F311-E877-49B5-B8E7-EBBB9CDD145E}" sibTransId="{32889D96-4C10-40C9-A178-02CB22056CA9}"/>
-    <dgm:cxn modelId="{24B3F415-09CC-4F6B-931F-3C37B7EA5A54}" type="presOf" srcId="{36F0D7D7-AB66-4BC6-A6A8-B0E3E7968EAD}" destId="{86CA32A5-2273-4AAB-B283-9A4550A10D6D}" srcOrd="0" destOrd="0" presId="urn:microsoft.com/office/officeart/2005/8/layout/orgChart1"/>
-    <dgm:cxn modelId="{9F9F6018-34BC-4481-AC39-527D4EE68338}" type="presOf" srcId="{7A3AA5FB-1085-49A7-B15C-22B37973B373}" destId="{D3954813-4E8B-4CDA-AA2A-DEF7F9E4C7EC}" srcOrd="1" destOrd="0" presId="urn:microsoft.com/office/officeart/2005/8/layout/orgChart1"/>
+    <dgm:cxn modelId="{2E2254C4-17C3-4DFF-A049-32BF41F992BB}" type="presOf" srcId="{1CF706EF-6FF8-4552-94D5-66BCE53EBF1A}" destId="{65065096-A14B-4AC3-89A7-BD35DBE15C87}" srcOrd="0" destOrd="0" presId="urn:microsoft.com/office/officeart/2005/8/layout/orgChart1"/>
+    <dgm:cxn modelId="{93BB248B-E07F-4EAD-90DB-2CB5D2C0CE61}" type="presOf" srcId="{44CDA0CF-BDEC-4CFC-9EDB-8E43CD14EFA0}" destId="{47A4097B-9449-4CFE-A6BE-3298CC4B06C2}" srcOrd="0" destOrd="0" presId="urn:microsoft.com/office/officeart/2005/8/layout/orgChart1"/>
+    <dgm:cxn modelId="{40B09C6E-E4F8-4C36-9213-017F4DEB4651}" type="presOf" srcId="{7A3AA5FB-1085-49A7-B15C-22B37973B373}" destId="{604563D0-46B9-42EF-9D97-997C7257C8DA}" srcOrd="0" destOrd="0" presId="urn:microsoft.com/office/officeart/2005/8/layout/orgChart1"/>
+    <dgm:cxn modelId="{5A107156-9A10-4CD8-8109-FA9B6078CD3F}" type="presOf" srcId="{36F0D7D7-AB66-4BC6-A6A8-B0E3E7968EAD}" destId="{9E00909F-0635-46F1-ACEA-AE991F87D28B}" srcOrd="1" destOrd="0" presId="urn:microsoft.com/office/officeart/2005/8/layout/orgChart1"/>
     <dgm:cxn modelId="{00CAE224-F7D5-461F-A612-A33CD8C5DAE6}" type="presOf" srcId="{6C03B6A7-E1AC-4D66-A2FF-61E218904452}" destId="{21E07CC2-2920-4051-A5EC-FB1EC0F9D388}" srcOrd="0" destOrd="0" presId="urn:microsoft.com/office/officeart/2005/8/layout/orgChart1"/>
-    <dgm:cxn modelId="{DD431827-8F8D-4F4F-9CC2-A9EDABA8F087}" type="presOf" srcId="{8825AB9F-B978-4EF9-9936-87F8DAD23602}" destId="{924710A8-E278-49F0-A0E6-ED588D992F05}" srcOrd="0" destOrd="0" presId="urn:microsoft.com/office/officeart/2005/8/layout/orgChart1"/>
-    <dgm:cxn modelId="{CA4BB02B-4018-4F48-9DBA-1979AFFC44A2}" type="presOf" srcId="{44CDA0CF-BDEC-4CFC-9EDB-8E43CD14EFA0}" destId="{2F8FABE8-B2E2-4E38-AB72-2D62B5A5A10F}" srcOrd="1" destOrd="0" presId="urn:microsoft.com/office/officeart/2005/8/layout/orgChart1"/>
-    <dgm:cxn modelId="{DE929630-C6A7-4888-BF33-904C47DDF78E}" type="presOf" srcId="{4B580D80-AB16-4E67-8558-10A9F3DD5F22}" destId="{AB9F07B7-2138-4E58-AF7F-3DCA3717A519}" srcOrd="0" destOrd="0" presId="urn:microsoft.com/office/officeart/2005/8/layout/orgChart1"/>
-    <dgm:cxn modelId="{2C947E35-DE73-4DAF-9EC4-005902B515BD}" type="presOf" srcId="{63E4F311-E877-49B5-B8E7-EBBB9CDD145E}" destId="{AB499060-3527-4037-A89A-F7C9BB18B840}" srcOrd="0" destOrd="0" presId="urn:microsoft.com/office/officeart/2005/8/layout/orgChart1"/>
-    <dgm:cxn modelId="{AFE60236-62C2-476C-A52F-0C0B21799246}" type="presOf" srcId="{C859A2C9-1D3E-4814-82F6-B9BB1D399964}" destId="{D2B11F8C-9FFE-4DE4-A197-6E4723A1BE33}" srcOrd="0" destOrd="0" presId="urn:microsoft.com/office/officeart/2005/8/layout/orgChart1"/>
-    <dgm:cxn modelId="{40B09C6E-E4F8-4C36-9213-017F4DEB4651}" type="presOf" srcId="{7A3AA5FB-1085-49A7-B15C-22B37973B373}" destId="{604563D0-46B9-42EF-9D97-997C7257C8DA}" srcOrd="0" destOrd="0" presId="urn:microsoft.com/office/officeart/2005/8/layout/orgChart1"/>
-    <dgm:cxn modelId="{F3224653-C387-4401-A235-7FBD782D6112}" srcId="{36F0D7D7-AB66-4BC6-A6A8-B0E3E7968EAD}" destId="{44CDA0CF-BDEC-4CFC-9EDB-8E43CD14EFA0}" srcOrd="0" destOrd="0" parTransId="{7727FAFE-3100-4232-B50C-B4147BE72B85}" sibTransId="{D7F5C1E1-9E1F-49B3-BD42-38D9EBE7652A}"/>
-    <dgm:cxn modelId="{5A107156-9A10-4CD8-8109-FA9B6078CD3F}" type="presOf" srcId="{36F0D7D7-AB66-4BC6-A6A8-B0E3E7968EAD}" destId="{9E00909F-0635-46F1-ACEA-AE991F87D28B}" srcOrd="1" destOrd="0" presId="urn:microsoft.com/office/officeart/2005/8/layout/orgChart1"/>
-    <dgm:cxn modelId="{93BB248B-E07F-4EAD-90DB-2CB5D2C0CE61}" type="presOf" srcId="{44CDA0CF-BDEC-4CFC-9EDB-8E43CD14EFA0}" destId="{47A4097B-9449-4CFE-A6BE-3298CC4B06C2}" srcOrd="0" destOrd="0" presId="urn:microsoft.com/office/officeart/2005/8/layout/orgChart1"/>
-    <dgm:cxn modelId="{143402A9-8C9A-4ED3-A5B9-2951A12AA359}" type="presOf" srcId="{C859A2C9-1D3E-4814-82F6-B9BB1D399964}" destId="{DE539F92-A38F-4566-9476-3B51DFF02BB2}" srcOrd="1" destOrd="0" presId="urn:microsoft.com/office/officeart/2005/8/layout/orgChart1"/>
-    <dgm:cxn modelId="{65819FA9-686A-41B4-9DD9-92E9622AAFB5}" srcId="{36F0D7D7-AB66-4BC6-A6A8-B0E3E7968EAD}" destId="{7A3AA5FB-1085-49A7-B15C-22B37973B373}" srcOrd="1" destOrd="0" parTransId="{8825AB9F-B978-4EF9-9936-87F8DAD23602}" sibTransId="{A45EFC37-F4E4-46D1-8292-46E1406579AD}"/>
-    <dgm:cxn modelId="{9738F3B9-E449-419B-A87C-5DD18023B5B4}" type="presOf" srcId="{A6A3123D-4521-42A2-8EE2-61A73A7320A6}" destId="{32E513F1-02D3-4B19-88BA-A064A369F005}" srcOrd="0" destOrd="0" presId="urn:microsoft.com/office/officeart/2005/8/layout/orgChart1"/>
-    <dgm:cxn modelId="{2E2254C4-17C3-4DFF-A049-32BF41F992BB}" type="presOf" srcId="{1CF706EF-6FF8-4552-94D5-66BCE53EBF1A}" destId="{65065096-A14B-4AC3-89A7-BD35DBE15C87}" srcOrd="0" destOrd="0" presId="urn:microsoft.com/office/officeart/2005/8/layout/orgChart1"/>
-    <dgm:cxn modelId="{409468CA-5C86-41C0-990C-1C97404BD2B6}" type="presOf" srcId="{434CED22-4D56-4A5F-B57A-39CDCBF63324}" destId="{2B6865D7-5BE8-4A66-89D3-9580F48C28BA}" srcOrd="0" destOrd="0" presId="urn:microsoft.com/office/officeart/2005/8/layout/orgChart1"/>
-    <dgm:cxn modelId="{1A2C18CF-EF70-4488-9E2A-2C5E204CD57B}" type="presOf" srcId="{4B580D80-AB16-4E67-8558-10A9F3DD5F22}" destId="{1351FE19-389B-4557-B38E-54177A6E8153}" srcOrd="1" destOrd="0" presId="urn:microsoft.com/office/officeart/2005/8/layout/orgChart1"/>
+    <dgm:cxn modelId="{287647E8-9D82-460B-9A70-611311807AFA}" srcId="{C859A2C9-1D3E-4814-82F6-B9BB1D399964}" destId="{4B580D80-AB16-4E67-8558-10A9F3DD5F22}" srcOrd="0" destOrd="0" parTransId="{6C03B6A7-E1AC-4D66-A2FF-61E218904452}" sibTransId="{425BDF33-B0F1-4C6B-8ED7-12C0C41E3C32}"/>
     <dgm:cxn modelId="{68A0A2DD-D6EA-4FE0-9A1A-E5EAB2150DAE}" srcId="{A6A3123D-4521-42A2-8EE2-61A73A7320A6}" destId="{434CED22-4D56-4A5F-B57A-39CDCBF63324}" srcOrd="0" destOrd="0" parTransId="{80D29A85-F7DB-412F-BCA6-632CB8531A49}" sibTransId="{5BB78482-0C6B-419E-B3B7-A35EA8F10F2C}"/>
-    <dgm:cxn modelId="{287647E8-9D82-460B-9A70-611311807AFA}" srcId="{C859A2C9-1D3E-4814-82F6-B9BB1D399964}" destId="{4B580D80-AB16-4E67-8558-10A9F3DD5F22}" srcOrd="0" destOrd="0" parTransId="{6C03B6A7-E1AC-4D66-A2FF-61E218904452}" sibTransId="{425BDF33-B0F1-4C6B-8ED7-12C0C41E3C32}"/>
-    <dgm:cxn modelId="{5DBDCBF6-A2EB-4ABF-A687-C70EC8975143}" type="presOf" srcId="{434CED22-4D56-4A5F-B57A-39CDCBF63324}" destId="{71BC082F-B545-48BB-A90F-F28AC6C8540B}" srcOrd="1" destOrd="0" presId="urn:microsoft.com/office/officeart/2005/8/layout/orgChart1"/>
-    <dgm:cxn modelId="{EE4374FF-6D7A-49C5-9E1B-22A8982F1074}" srcId="{434CED22-4D56-4A5F-B57A-39CDCBF63324}" destId="{C859A2C9-1D3E-4814-82F6-B9BB1D399964}" srcOrd="0" destOrd="0" parTransId="{1CF706EF-6FF8-4552-94D5-66BCE53EBF1A}" sibTransId="{93C0C01E-AB3B-4A95-B7A4-57AD1FB1CA9E}"/>
     <dgm:cxn modelId="{D64D979C-08D8-4147-9992-B7C797A975E3}" type="presParOf" srcId="{32E513F1-02D3-4B19-88BA-A064A369F005}" destId="{8CCBF018-DDBE-48EE-9973-378791E09758}" srcOrd="0" destOrd="0" presId="urn:microsoft.com/office/officeart/2005/8/layout/orgChart1"/>
     <dgm:cxn modelId="{54A49C5E-92C9-4888-871C-BA9F08E75885}" type="presParOf" srcId="{8CCBF018-DDBE-48EE-9973-378791E09758}" destId="{388DCF55-7FCA-4DC1-8CF3-16A9F2F6358D}" srcOrd="0" destOrd="0" presId="urn:microsoft.com/office/officeart/2005/8/layout/orgChart1"/>
     <dgm:cxn modelId="{27750564-ECA1-4163-945C-DDED96136AE7}" type="presParOf" srcId="{388DCF55-7FCA-4DC1-8CF3-16A9F2F6358D}" destId="{2B6865D7-5BE8-4A66-89D3-9580F48C28BA}" srcOrd="0" destOrd="0" presId="urn:microsoft.com/office/officeart/2005/8/layout/orgChart1"/>
@@ -1501,8 +1629,8 @@
       </dsp:nvSpPr>
       <dsp:spPr>
         <a:xfrm>
-          <a:off x="3897181" y="3522282"/>
-          <a:ext cx="275037" cy="2145295"/>
+          <a:off x="3813066" y="3522282"/>
+          <a:ext cx="91440" cy="2080853"/>
         </a:xfrm>
         <a:custGeom>
           <a:avLst/>
@@ -1513,13 +1641,10 @@
           <a:pathLst>
             <a:path>
               <a:moveTo>
-                <a:pt x="0" y="0"/>
+                <a:pt x="84115" y="0"/>
               </a:moveTo>
               <a:lnTo>
-                <a:pt x="0" y="2145295"/>
-              </a:lnTo>
-              <a:lnTo>
-                <a:pt x="275037" y="2145295"/>
+                <a:pt x="45720" y="2080853"/>
               </a:lnTo>
             </a:path>
           </a:pathLst>
@@ -1560,7 +1685,7 @@
       <dsp:spPr>
         <a:xfrm>
           <a:off x="3897181" y="3522282"/>
-          <a:ext cx="275037" cy="843449"/>
+          <a:ext cx="1689795" cy="784710"/>
         </a:xfrm>
         <a:custGeom>
           <a:avLst/>
@@ -1574,10 +1699,10 @@
                 <a:pt x="0" y="0"/>
               </a:moveTo>
               <a:lnTo>
-                <a:pt x="0" y="843449"/>
+                <a:pt x="0" y="784710"/>
               </a:lnTo>
               <a:lnTo>
-                <a:pt x="275037" y="843449"/>
+                <a:pt x="1689795" y="784710"/>
               </a:lnTo>
             </a:path>
           </a:pathLst>
@@ -1841,7 +1966,7 @@
         </a:bodyPr>
         <a:lstStyle/>
         <a:p>
-          <a:pPr marL="0" lvl="0" indent="0" algn="ctr" defTabSz="800100">
+          <a:pPr lvl="0" algn="ctr" defTabSz="800100">
             <a:lnSpc>
               <a:spcPct val="90000"/>
             </a:lnSpc>
@@ -1851,7 +1976,6 @@
             <a:spcAft>
               <a:spcPct val="35000"/>
             </a:spcAft>
-            <a:buNone/>
           </a:pPr>
           <a:r>
             <a:rPr lang="es-PE" sz="1800" kern="1200" dirty="0">
@@ -1921,7 +2045,7 @@
         </a:bodyPr>
         <a:lstStyle/>
         <a:p>
-          <a:pPr marL="0" lvl="0" indent="0" algn="ctr" defTabSz="800100">
+          <a:pPr lvl="0" algn="ctr" defTabSz="800100">
             <a:lnSpc>
               <a:spcPct val="90000"/>
             </a:lnSpc>
@@ -1931,7 +2055,6 @@
             <a:spcAft>
               <a:spcPct val="35000"/>
             </a:spcAft>
-            <a:buNone/>
           </a:pPr>
           <a:r>
             <a:rPr lang="es-PE" sz="1800" kern="1200" dirty="0">
@@ -1941,14 +2064,14 @@
             <a:t>Jefe Proyecto (</a:t>
           </a:r>
           <a:r>
-            <a:rPr lang="es-PE" sz="1800" kern="1200" dirty="0" err="1">
+            <a:rPr lang="es-PE" sz="1800" kern="1200" dirty="0" err="1" smtClean="0">
               <a:latin typeface="Calibri" panose="020F0502020204030204" pitchFamily="34" charset="0"/>
               <a:cs typeface="Calibri" panose="020F0502020204030204" pitchFamily="34" charset="0"/>
             </a:rPr>
-            <a:t>Yackeline</a:t>
+            <a:t>Yacqueline</a:t>
           </a:r>
           <a:r>
-            <a:rPr lang="es-PE" sz="1800" kern="1200" dirty="0">
+            <a:rPr lang="es-PE" sz="1800" kern="1200" dirty="0" smtClean="0">
               <a:latin typeface="Calibri" panose="020F0502020204030204" pitchFamily="34" charset="0"/>
               <a:cs typeface="Calibri" panose="020F0502020204030204" pitchFamily="34" charset="0"/>
             </a:rPr>
@@ -2029,7 +2152,7 @@
         </a:bodyPr>
         <a:lstStyle/>
         <a:p>
-          <a:pPr marL="0" lvl="0" indent="0" algn="ctr" defTabSz="800100">
+          <a:pPr lvl="0" algn="ctr" defTabSz="800100">
             <a:lnSpc>
               <a:spcPct val="90000"/>
             </a:lnSpc>
@@ -2039,7 +2162,6 @@
             <a:spcAft>
               <a:spcPct val="35000"/>
             </a:spcAft>
-            <a:buNone/>
           </a:pPr>
           <a:r>
             <a:rPr lang="es-PE" sz="1800" kern="1200" dirty="0">
@@ -2109,7 +2231,7 @@
         </a:bodyPr>
         <a:lstStyle/>
         <a:p>
-          <a:pPr marL="0" lvl="0" indent="0" algn="ctr" defTabSz="800100">
+          <a:pPr lvl="0" algn="ctr" defTabSz="800100">
             <a:lnSpc>
               <a:spcPct val="90000"/>
             </a:lnSpc>
@@ -2119,7 +2241,6 @@
             <a:spcAft>
               <a:spcPct val="35000"/>
             </a:spcAft>
-            <a:buNone/>
           </a:pPr>
           <a:r>
             <a:rPr lang="es-PE" sz="1800" kern="1200" dirty="0">
@@ -2142,7 +2263,7 @@
       </dsp:nvSpPr>
       <dsp:spPr>
         <a:xfrm>
-          <a:off x="4172219" y="3907335"/>
+          <a:off x="5586977" y="3848596"/>
           <a:ext cx="1833585" cy="916792"/>
         </a:xfrm>
         <a:prstGeom prst="rect">
@@ -2189,7 +2310,7 @@
         </a:bodyPr>
         <a:lstStyle/>
         <a:p>
-          <a:pPr marL="0" lvl="0" indent="0" algn="ctr" defTabSz="800100">
+          <a:pPr lvl="0" algn="ctr" defTabSz="800100">
             <a:lnSpc>
               <a:spcPct val="90000"/>
             </a:lnSpc>
@@ -2199,7 +2320,6 @@
             <a:spcAft>
               <a:spcPct val="35000"/>
             </a:spcAft>
-            <a:buNone/>
           </a:pPr>
           <a:r>
             <a:rPr lang="es-PE" sz="1800" kern="1200" dirty="0">
@@ -2210,7 +2330,7 @@
           </a:r>
         </a:p>
         <a:p>
-          <a:pPr marL="0" lvl="0" indent="0" algn="ctr" defTabSz="800100">
+          <a:pPr lvl="0" algn="ctr" defTabSz="800100">
             <a:lnSpc>
               <a:spcPct val="90000"/>
             </a:lnSpc>
@@ -2220,7 +2340,6 @@
             <a:spcAft>
               <a:spcPct val="35000"/>
             </a:spcAft>
-            <a:buNone/>
           </a:pPr>
           <a:r>
             <a:rPr lang="es-PE" sz="1800" kern="1200" dirty="0">
@@ -2232,7 +2351,7 @@
         </a:p>
       </dsp:txBody>
       <dsp:txXfrm>
-        <a:off x="4172219" y="3907335"/>
+        <a:off x="5586977" y="3848596"/>
         <a:ext cx="1833585" cy="916792"/>
       </dsp:txXfrm>
     </dsp:sp>
@@ -2243,7 +2362,7 @@
       </dsp:nvSpPr>
       <dsp:spPr>
         <a:xfrm>
-          <a:off x="4172219" y="5209181"/>
+          <a:off x="3858786" y="5144739"/>
           <a:ext cx="1833585" cy="916792"/>
         </a:xfrm>
         <a:prstGeom prst="rect">
@@ -2290,7 +2409,7 @@
         </a:bodyPr>
         <a:lstStyle/>
         <a:p>
-          <a:pPr marL="0" lvl="0" indent="0" algn="ctr" defTabSz="800100">
+          <a:pPr lvl="0" algn="ctr" defTabSz="800100">
             <a:lnSpc>
               <a:spcPct val="90000"/>
             </a:lnSpc>
@@ -2300,7 +2419,6 @@
             <a:spcAft>
               <a:spcPct val="35000"/>
             </a:spcAft>
-            <a:buNone/>
           </a:pPr>
           <a:r>
             <a:rPr lang="es-PE" sz="1800" kern="1200" dirty="0">
@@ -2312,7 +2430,7 @@
         </a:p>
       </dsp:txBody>
       <dsp:txXfrm>
-        <a:off x="4172219" y="5209181"/>
+        <a:off x="3858786" y="5144739"/>
         <a:ext cx="1833585" cy="916792"/>
       </dsp:txXfrm>
     </dsp:sp>
@@ -4681,7 +4799,7 @@
           <a:p>
             <a:fld id="{07753D19-ADF8-4D4A-B9A7-166986CAD2C0}" type="datetimeFigureOut">
               <a:rPr lang="es-PE" smtClean="0"/>
-              <a:t>02/05/2018</a:t>
+              <a:t>2/05/2018</a:t>
             </a:fld>
             <a:endParaRPr lang="es-PE"/>
           </a:p>
@@ -4846,7 +4964,7 @@
           <a:p>
             <a:fld id="{07753D19-ADF8-4D4A-B9A7-166986CAD2C0}" type="datetimeFigureOut">
               <a:rPr lang="es-PE" smtClean="0"/>
-              <a:t>02/05/2018</a:t>
+              <a:t>2/05/2018</a:t>
             </a:fld>
             <a:endParaRPr lang="es-PE"/>
           </a:p>
@@ -5021,7 +5139,7 @@
           <a:p>
             <a:fld id="{07753D19-ADF8-4D4A-B9A7-166986CAD2C0}" type="datetimeFigureOut">
               <a:rPr lang="es-PE" smtClean="0"/>
-              <a:t>02/05/2018</a:t>
+              <a:t>2/05/2018</a:t>
             </a:fld>
             <a:endParaRPr lang="es-PE"/>
           </a:p>
@@ -5186,7 +5304,7 @@
           <a:p>
             <a:fld id="{07753D19-ADF8-4D4A-B9A7-166986CAD2C0}" type="datetimeFigureOut">
               <a:rPr lang="es-PE" smtClean="0"/>
-              <a:t>02/05/2018</a:t>
+              <a:t>2/05/2018</a:t>
             </a:fld>
             <a:endParaRPr lang="es-PE"/>
           </a:p>
@@ -5427,7 +5545,7 @@
           <a:p>
             <a:fld id="{07753D19-ADF8-4D4A-B9A7-166986CAD2C0}" type="datetimeFigureOut">
               <a:rPr lang="es-PE" smtClean="0"/>
-              <a:t>02/05/2018</a:t>
+              <a:t>2/05/2018</a:t>
             </a:fld>
             <a:endParaRPr lang="es-PE"/>
           </a:p>
@@ -5710,7 +5828,7 @@
           <a:p>
             <a:fld id="{07753D19-ADF8-4D4A-B9A7-166986CAD2C0}" type="datetimeFigureOut">
               <a:rPr lang="es-PE" smtClean="0"/>
-              <a:t>02/05/2018</a:t>
+              <a:t>2/05/2018</a:t>
             </a:fld>
             <a:endParaRPr lang="es-PE"/>
           </a:p>
@@ -6127,7 +6245,7 @@
           <a:p>
             <a:fld id="{07753D19-ADF8-4D4A-B9A7-166986CAD2C0}" type="datetimeFigureOut">
               <a:rPr lang="es-PE" smtClean="0"/>
-              <a:t>02/05/2018</a:t>
+              <a:t>2/05/2018</a:t>
             </a:fld>
             <a:endParaRPr lang="es-PE"/>
           </a:p>
@@ -6240,7 +6358,7 @@
           <a:p>
             <a:fld id="{07753D19-ADF8-4D4A-B9A7-166986CAD2C0}" type="datetimeFigureOut">
               <a:rPr lang="es-PE" smtClean="0"/>
-              <a:t>02/05/2018</a:t>
+              <a:t>2/05/2018</a:t>
             </a:fld>
             <a:endParaRPr lang="es-PE"/>
           </a:p>
@@ -6330,7 +6448,7 @@
           <a:p>
             <a:fld id="{07753D19-ADF8-4D4A-B9A7-166986CAD2C0}" type="datetimeFigureOut">
               <a:rPr lang="es-PE" smtClean="0"/>
-              <a:t>02/05/2018</a:t>
+              <a:t>2/05/2018</a:t>
             </a:fld>
             <a:endParaRPr lang="es-PE"/>
           </a:p>
@@ -6602,7 +6720,7 @@
           <a:p>
             <a:fld id="{07753D19-ADF8-4D4A-B9A7-166986CAD2C0}" type="datetimeFigureOut">
               <a:rPr lang="es-PE" smtClean="0"/>
-              <a:t>02/05/2018</a:t>
+              <a:t>2/05/2018</a:t>
             </a:fld>
             <a:endParaRPr lang="es-PE"/>
           </a:p>
@@ -6850,7 +6968,7 @@
           <a:p>
             <a:fld id="{07753D19-ADF8-4D4A-B9A7-166986CAD2C0}" type="datetimeFigureOut">
               <a:rPr lang="es-PE" smtClean="0"/>
-              <a:t>02/05/2018</a:t>
+              <a:t>2/05/2018</a:t>
             </a:fld>
             <a:endParaRPr lang="es-PE"/>
           </a:p>
@@ -7058,7 +7176,7 @@
           <a:p>
             <a:fld id="{07753D19-ADF8-4D4A-B9A7-166986CAD2C0}" type="datetimeFigureOut">
               <a:rPr lang="es-PE" smtClean="0"/>
-              <a:t>02/05/2018</a:t>
+              <a:t>2/05/2018</a:t>
             </a:fld>
             <a:endParaRPr lang="es-PE"/>
           </a:p>
@@ -7435,7 +7553,7 @@
           <p:nvPr>
             <p:extLst>
               <p:ext uri="{D42A27DB-BD31-4B8C-83A1-F6EECF244321}">
-                <p14:modId xmlns:p14="http://schemas.microsoft.com/office/powerpoint/2010/main" val="3533569365"/>
+                <p14:modId xmlns:p14="http://schemas.microsoft.com/office/powerpoint/2010/main" val="3296789752"/>
               </p:ext>
             </p:extLst>
           </p:nvPr>
@@ -7584,6 +7702,2500 @@
         </p:txBody>
       </p:sp>
     </p:spTree>
+  </p:cSld>
+  <p:clrMapOvr>
+    <a:masterClrMapping/>
+  </p:clrMapOvr>
+</p:sld>
+</file>
+
+<file path=ppt/slides/slide2.xml><?xml version="1.0" encoding="utf-8"?>
+<p:sld xmlns:a="http://schemas.openxmlformats.org/drawingml/2006/main" xmlns:r="http://schemas.openxmlformats.org/officeDocument/2006/relationships" xmlns:p="http://schemas.openxmlformats.org/presentationml/2006/main">
+  <p:cSld>
+    <p:spTree>
+      <p:nvGrpSpPr>
+        <p:cNvPr id="1" name=""/>
+        <p:cNvGrpSpPr/>
+        <p:nvPr/>
+      </p:nvGrpSpPr>
+      <p:grpSpPr>
+        <a:xfrm>
+          <a:off x="0" y="0"/>
+          <a:ext cx="0" cy="0"/>
+          <a:chOff x="0" y="0"/>
+          <a:chExt cx="0" cy="0"/>
+        </a:xfrm>
+      </p:grpSpPr>
+      <p:graphicFrame>
+        <p:nvGraphicFramePr>
+          <p:cNvPr id="5" name="5 Tabla"/>
+          <p:cNvGraphicFramePr>
+            <a:graphicFrameLocks noGrp="1"/>
+          </p:cNvGraphicFramePr>
+          <p:nvPr>
+            <p:extLst>
+              <p:ext uri="{D42A27DB-BD31-4B8C-83A1-F6EECF244321}">
+                <p14:modId xmlns:p14="http://schemas.microsoft.com/office/powerpoint/2010/main" val="2969911678"/>
+              </p:ext>
+            </p:extLst>
+          </p:nvPr>
+        </p:nvGraphicFramePr>
+        <p:xfrm>
+          <a:off x="357157" y="260648"/>
+          <a:ext cx="8535323" cy="6420183"/>
+        </p:xfrm>
+        <a:graphic>
+          <a:graphicData uri="http://schemas.openxmlformats.org/drawingml/2006/table">
+            <a:tbl>
+              <a:tblPr/>
+              <a:tblGrid>
+                <a:gridCol w="1034586">
+                  <a:extLst>
+                    <a:ext uri="{9D8B030D-6E8A-4147-A177-3AD203B41FA5}">
+                      <a16:colId xmlns:a16="http://schemas.microsoft.com/office/drawing/2014/main" val="20000"/>
+                    </a:ext>
+                  </a:extLst>
+                </a:gridCol>
+                <a:gridCol w="2155384">
+                  <a:extLst>
+                    <a:ext uri="{9D8B030D-6E8A-4147-A177-3AD203B41FA5}">
+                      <a16:colId xmlns:a16="http://schemas.microsoft.com/office/drawing/2014/main" val="20001"/>
+                    </a:ext>
+                  </a:extLst>
+                </a:gridCol>
+                <a:gridCol w="5345353">
+                  <a:extLst>
+                    <a:ext uri="{9D8B030D-6E8A-4147-A177-3AD203B41FA5}">
+                      <a16:colId xmlns:a16="http://schemas.microsoft.com/office/drawing/2014/main" val="20002"/>
+                    </a:ext>
+                  </a:extLst>
+                </a:gridCol>
+              </a:tblGrid>
+              <a:tr h="163829">
+                <a:tc gridSpan="3">
+                  <a:txBody>
+                    <a:bodyPr/>
+                    <a:lstStyle/>
+                    <a:p>
+                      <a:pPr hangingPunct="0">
+                        <a:spcAft>
+                          <a:spcPts val="0"/>
+                        </a:spcAft>
+                      </a:pPr>
+                      <a:r>
+                        <a:rPr lang="es-ES" sz="1000" b="1" cap="small" dirty="0">
+                          <a:latin typeface="Verdana"/>
+                          <a:ea typeface="Times New Roman"/>
+                        </a:rPr>
+                        <a:t>Roles de la Gestión de Proyectos:</a:t>
+                      </a:r>
+                      <a:r>
+                        <a:rPr lang="es-ES" sz="900" b="1" cap="small" dirty="0">
+                          <a:latin typeface="Verdana"/>
+                          <a:ea typeface="Times New Roman"/>
+                        </a:rPr>
+                        <a:t> </a:t>
+                      </a:r>
+                      <a:r>
+                        <a:rPr lang="es-ES" sz="900" i="1" cap="small" dirty="0">
+                          <a:latin typeface="Verdana"/>
+                          <a:ea typeface="Times New Roman"/>
+                        </a:rPr>
+                        <a:t>Roles que se necesitan para realizar la gestión de Proyectos</a:t>
+                      </a:r>
+                      <a:r>
+                        <a:rPr lang="es-ES" sz="800" i="1" cap="small" dirty="0">
+                          <a:latin typeface="Verdana"/>
+                          <a:ea typeface="Times New Roman"/>
+                        </a:rPr>
+                        <a:t>.</a:t>
+                      </a:r>
+                      <a:endParaRPr lang="es-PE" sz="1000" dirty="0">
+                        <a:latin typeface="Times New Roman"/>
+                        <a:ea typeface="Times New Roman"/>
+                      </a:endParaRPr>
+                    </a:p>
+                  </a:txBody>
+                  <a:tcPr marL="68580" marR="68580" marT="0" marB="0" anchor="ctr">
+                    <a:lnL w="12700" cap="flat" cmpd="sng" algn="ctr">
+                      <a:solidFill>
+                        <a:srgbClr val="000000"/>
+                      </a:solidFill>
+                      <a:prstDash val="solid"/>
+                      <a:round/>
+                      <a:headEnd type="none" w="med" len="med"/>
+                      <a:tailEnd type="none" w="med" len="med"/>
+                    </a:lnL>
+                    <a:lnR w="12700" cap="flat" cmpd="sng" algn="ctr">
+                      <a:solidFill>
+                        <a:srgbClr val="000000"/>
+                      </a:solidFill>
+                      <a:prstDash val="solid"/>
+                      <a:round/>
+                      <a:headEnd type="none" w="med" len="med"/>
+                      <a:tailEnd type="none" w="med" len="med"/>
+                    </a:lnR>
+                    <a:lnT w="12700" cap="flat" cmpd="sng" algn="ctr">
+                      <a:solidFill>
+                        <a:srgbClr val="000000"/>
+                      </a:solidFill>
+                      <a:prstDash val="solid"/>
+                      <a:round/>
+                      <a:headEnd type="none" w="med" len="med"/>
+                      <a:tailEnd type="none" w="med" len="med"/>
+                    </a:lnT>
+                    <a:lnB w="12700" cap="flat" cmpd="sng" algn="ctr">
+                      <a:solidFill>
+                        <a:srgbClr val="000000"/>
+                      </a:solidFill>
+                      <a:prstDash val="solid"/>
+                      <a:round/>
+                      <a:headEnd type="none" w="med" len="med"/>
+                      <a:tailEnd type="none" w="med" len="med"/>
+                    </a:lnB>
+                    <a:solidFill>
+                      <a:srgbClr val="D9D9D9"/>
+                    </a:solidFill>
+                  </a:tcPr>
+                </a:tc>
+                <a:tc hMerge="1">
+                  <a:txBody>
+                    <a:bodyPr/>
+                    <a:lstStyle/>
+                    <a:p>
+                      <a:endParaRPr lang="es-PE"/>
+                    </a:p>
+                  </a:txBody>
+                  <a:tcPr/>
+                </a:tc>
+                <a:tc hMerge="1">
+                  <a:txBody>
+                    <a:bodyPr/>
+                    <a:lstStyle/>
+                    <a:p>
+                      <a:endParaRPr lang="es-PE"/>
+                    </a:p>
+                  </a:txBody>
+                  <a:tcPr/>
+                </a:tc>
+                <a:extLst>
+                  <a:ext uri="{0D108BD9-81ED-4DB2-BD59-A6C34878D82A}">
+                    <a16:rowId xmlns:a16="http://schemas.microsoft.com/office/drawing/2014/main" val="10000"/>
+                  </a:ext>
+                </a:extLst>
+              </a:tr>
+              <a:tr h="540191">
+                <a:tc>
+                  <a:txBody>
+                    <a:bodyPr/>
+                    <a:lstStyle/>
+                    <a:p>
+                      <a:pPr algn="ctr" hangingPunct="0">
+                        <a:spcAft>
+                          <a:spcPts val="0"/>
+                        </a:spcAft>
+                      </a:pPr>
+                      <a:r>
+                        <a:rPr lang="es-ES" sz="900" b="1" i="1" cap="small">
+                          <a:latin typeface="Verdana"/>
+                          <a:ea typeface="Times New Roman"/>
+                        </a:rPr>
+                        <a:t>Nombre </a:t>
+                      </a:r>
+                      <a:endParaRPr lang="es-PE" sz="1000">
+                        <a:latin typeface="Times New Roman"/>
+                        <a:ea typeface="Times New Roman"/>
+                      </a:endParaRPr>
+                    </a:p>
+                    <a:p>
+                      <a:pPr algn="ctr" hangingPunct="0">
+                        <a:spcAft>
+                          <a:spcPts val="0"/>
+                        </a:spcAft>
+                      </a:pPr>
+                      <a:r>
+                        <a:rPr lang="es-ES" sz="900" b="1" i="1" cap="small">
+                          <a:latin typeface="Verdana"/>
+                          <a:ea typeface="Times New Roman"/>
+                        </a:rPr>
+                        <a:t>del Rol</a:t>
+                      </a:r>
+                      <a:endParaRPr lang="es-PE" sz="1000">
+                        <a:latin typeface="Times New Roman"/>
+                        <a:ea typeface="Times New Roman"/>
+                      </a:endParaRPr>
+                    </a:p>
+                  </a:txBody>
+                  <a:tcPr marL="68580" marR="68580" marT="0" marB="0" anchor="ctr">
+                    <a:lnL w="12700" cap="flat" cmpd="sng" algn="ctr">
+                      <a:solidFill>
+                        <a:srgbClr val="000000"/>
+                      </a:solidFill>
+                      <a:prstDash val="solid"/>
+                      <a:round/>
+                      <a:headEnd type="none" w="med" len="med"/>
+                      <a:tailEnd type="none" w="med" len="med"/>
+                    </a:lnL>
+                    <a:lnR w="12700" cap="flat" cmpd="sng" algn="ctr">
+                      <a:solidFill>
+                        <a:srgbClr val="000000"/>
+                      </a:solidFill>
+                      <a:prstDash val="solid"/>
+                      <a:round/>
+                      <a:headEnd type="none" w="med" len="med"/>
+                      <a:tailEnd type="none" w="med" len="med"/>
+                    </a:lnR>
+                    <a:lnT w="12700" cap="flat" cmpd="sng" algn="ctr">
+                      <a:solidFill>
+                        <a:srgbClr val="000000"/>
+                      </a:solidFill>
+                      <a:prstDash val="solid"/>
+                      <a:round/>
+                      <a:headEnd type="none" w="med" len="med"/>
+                      <a:tailEnd type="none" w="med" len="med"/>
+                    </a:lnT>
+                    <a:lnB w="12700" cap="flat" cmpd="sng" algn="ctr">
+                      <a:solidFill>
+                        <a:srgbClr val="000000"/>
+                      </a:solidFill>
+                      <a:prstDash val="solid"/>
+                      <a:round/>
+                      <a:headEnd type="none" w="med" len="med"/>
+                      <a:tailEnd type="none" w="med" len="med"/>
+                    </a:lnB>
+                    <a:solidFill>
+                      <a:srgbClr val="F2F2F2"/>
+                    </a:solidFill>
+                  </a:tcPr>
+                </a:tc>
+                <a:tc>
+                  <a:txBody>
+                    <a:bodyPr/>
+                    <a:lstStyle/>
+                    <a:p>
+                      <a:pPr algn="ctr" hangingPunct="0">
+                        <a:spcAft>
+                          <a:spcPts val="0"/>
+                        </a:spcAft>
+                      </a:pPr>
+                      <a:r>
+                        <a:rPr lang="es-ES" sz="900" b="1" i="1" cap="small">
+                          <a:latin typeface="Verdana"/>
+                          <a:ea typeface="Times New Roman"/>
+                        </a:rPr>
+                        <a:t>Persona Asignada</a:t>
+                      </a:r>
+                      <a:endParaRPr lang="es-PE" sz="1000">
+                        <a:latin typeface="Times New Roman"/>
+                        <a:ea typeface="Times New Roman"/>
+                      </a:endParaRPr>
+                    </a:p>
+                  </a:txBody>
+                  <a:tcPr marL="68580" marR="68580" marT="0" marB="0" anchor="ctr">
+                    <a:lnL w="12700" cap="flat" cmpd="sng" algn="ctr">
+                      <a:solidFill>
+                        <a:srgbClr val="000000"/>
+                      </a:solidFill>
+                      <a:prstDash val="solid"/>
+                      <a:round/>
+                      <a:headEnd type="none" w="med" len="med"/>
+                      <a:tailEnd type="none" w="med" len="med"/>
+                    </a:lnL>
+                    <a:lnR w="12700" cap="flat" cmpd="sng" algn="ctr">
+                      <a:solidFill>
+                        <a:srgbClr val="000000"/>
+                      </a:solidFill>
+                      <a:prstDash val="solid"/>
+                      <a:round/>
+                      <a:headEnd type="none" w="med" len="med"/>
+                      <a:tailEnd type="none" w="med" len="med"/>
+                    </a:lnR>
+                    <a:lnT w="12700" cap="flat" cmpd="sng" algn="ctr">
+                      <a:solidFill>
+                        <a:srgbClr val="000000"/>
+                      </a:solidFill>
+                      <a:prstDash val="solid"/>
+                      <a:round/>
+                      <a:headEnd type="none" w="med" len="med"/>
+                      <a:tailEnd type="none" w="med" len="med"/>
+                    </a:lnT>
+                    <a:lnB w="12700" cap="flat" cmpd="sng" algn="ctr">
+                      <a:solidFill>
+                        <a:srgbClr val="000000"/>
+                      </a:solidFill>
+                      <a:prstDash val="solid"/>
+                      <a:round/>
+                      <a:headEnd type="none" w="med" len="med"/>
+                      <a:tailEnd type="none" w="med" len="med"/>
+                    </a:lnB>
+                    <a:solidFill>
+                      <a:srgbClr val="F2F2F2"/>
+                    </a:solidFill>
+                  </a:tcPr>
+                </a:tc>
+                <a:tc>
+                  <a:txBody>
+                    <a:bodyPr/>
+                    <a:lstStyle/>
+                    <a:p>
+                      <a:pPr algn="ctr" hangingPunct="0">
+                        <a:spcAft>
+                          <a:spcPts val="0"/>
+                        </a:spcAft>
+                      </a:pPr>
+                      <a:r>
+                        <a:rPr lang="es-ES" sz="900" b="1" i="1" cap="small" dirty="0">
+                          <a:latin typeface="Verdana"/>
+                          <a:ea typeface="Times New Roman"/>
+                        </a:rPr>
+                        <a:t>Responsabilidades</a:t>
+                      </a:r>
+                      <a:endParaRPr lang="es-PE" sz="1000" dirty="0">
+                        <a:latin typeface="Times New Roman"/>
+                        <a:ea typeface="Times New Roman"/>
+                      </a:endParaRPr>
+                    </a:p>
+                  </a:txBody>
+                  <a:tcPr marL="68580" marR="68580" marT="0" marB="0" anchor="ctr">
+                    <a:lnL w="12700" cap="flat" cmpd="sng" algn="ctr">
+                      <a:solidFill>
+                        <a:srgbClr val="000000"/>
+                      </a:solidFill>
+                      <a:prstDash val="solid"/>
+                      <a:round/>
+                      <a:headEnd type="none" w="med" len="med"/>
+                      <a:tailEnd type="none" w="med" len="med"/>
+                    </a:lnL>
+                    <a:lnR w="12700" cap="flat" cmpd="sng" algn="ctr">
+                      <a:solidFill>
+                        <a:srgbClr val="000000"/>
+                      </a:solidFill>
+                      <a:prstDash val="solid"/>
+                      <a:round/>
+                      <a:headEnd type="none" w="med" len="med"/>
+                      <a:tailEnd type="none" w="med" len="med"/>
+                    </a:lnR>
+                    <a:lnT w="12700" cap="flat" cmpd="sng" algn="ctr">
+                      <a:solidFill>
+                        <a:srgbClr val="000000"/>
+                      </a:solidFill>
+                      <a:prstDash val="solid"/>
+                      <a:round/>
+                      <a:headEnd type="none" w="med" len="med"/>
+                      <a:tailEnd type="none" w="med" len="med"/>
+                    </a:lnT>
+                    <a:lnB w="12700" cap="flat" cmpd="sng" algn="ctr">
+                      <a:solidFill>
+                        <a:srgbClr val="000000"/>
+                      </a:solidFill>
+                      <a:prstDash val="solid"/>
+                      <a:round/>
+                      <a:headEnd type="none" w="med" len="med"/>
+                      <a:tailEnd type="none" w="med" len="med"/>
+                    </a:lnB>
+                    <a:solidFill>
+                      <a:srgbClr val="F2F2F2"/>
+                    </a:solidFill>
+                  </a:tcPr>
+                </a:tc>
+                <a:extLst>
+                  <a:ext uri="{0D108BD9-81ED-4DB2-BD59-A6C34878D82A}">
+                    <a16:rowId xmlns:a16="http://schemas.microsoft.com/office/drawing/2014/main" val="10001"/>
+                  </a:ext>
+                </a:extLst>
+              </a:tr>
+              <a:tr h="1096180">
+                <a:tc>
+                  <a:txBody>
+                    <a:bodyPr/>
+                    <a:lstStyle/>
+                    <a:p>
+                      <a:pPr algn="ctr" fontAlgn="auto" hangingPunct="1">
+                        <a:spcAft>
+                          <a:spcPts val="0"/>
+                        </a:spcAft>
+                      </a:pPr>
+                      <a:r>
+                        <a:rPr lang="es-PE" sz="900" dirty="0">
+                          <a:latin typeface="Arial"/>
+                          <a:ea typeface="Times New Roman"/>
+                        </a:rPr>
+                        <a:t>Comité de</a:t>
+                      </a:r>
+                      <a:r>
+                        <a:rPr lang="es-PE" sz="1000" dirty="0">
+                          <a:latin typeface="Times New Roman"/>
+                          <a:ea typeface="Times New Roman"/>
+                        </a:rPr>
+                        <a:t>l Proyecto</a:t>
+                      </a:r>
+                    </a:p>
+                  </a:txBody>
+                  <a:tcPr marL="68580" marR="68580" marT="0" marB="0" anchor="ctr">
+                    <a:lnL w="12700" cap="flat" cmpd="sng" algn="ctr">
+                      <a:solidFill>
+                        <a:srgbClr val="000000"/>
+                      </a:solidFill>
+                      <a:prstDash val="solid"/>
+                      <a:round/>
+                      <a:headEnd type="none" w="med" len="med"/>
+                      <a:tailEnd type="none" w="med" len="med"/>
+                    </a:lnL>
+                    <a:lnR w="12700" cap="flat" cmpd="sng" algn="ctr">
+                      <a:solidFill>
+                        <a:srgbClr val="000000"/>
+                      </a:solidFill>
+                      <a:prstDash val="solid"/>
+                      <a:round/>
+                      <a:headEnd type="none" w="med" len="med"/>
+                      <a:tailEnd type="none" w="med" len="med"/>
+                    </a:lnR>
+                    <a:lnT w="12700" cap="flat" cmpd="sng" algn="ctr">
+                      <a:solidFill>
+                        <a:srgbClr val="000000"/>
+                      </a:solidFill>
+                      <a:prstDash val="solid"/>
+                      <a:round/>
+                      <a:headEnd type="none" w="med" len="med"/>
+                      <a:tailEnd type="none" w="med" len="med"/>
+                    </a:lnT>
+                    <a:lnB w="12700" cap="flat" cmpd="sng" algn="ctr">
+                      <a:solidFill>
+                        <a:srgbClr val="000000"/>
+                      </a:solidFill>
+                      <a:prstDash val="solid"/>
+                      <a:round/>
+                      <a:headEnd type="none" w="med" len="med"/>
+                      <a:tailEnd type="none" w="med" len="med"/>
+                    </a:lnB>
+                  </a:tcPr>
+                </a:tc>
+                <a:tc>
+                  <a:txBody>
+                    <a:bodyPr/>
+                    <a:lstStyle/>
+                    <a:p>
+                      <a:pPr algn="ctr" fontAlgn="auto" hangingPunct="1">
+                        <a:spcAft>
+                          <a:spcPts val="0"/>
+                        </a:spcAft>
+                      </a:pPr>
+                      <a:r>
+                        <a:rPr lang="es-ES" sz="900" dirty="0">
+                          <a:latin typeface="Arial"/>
+                          <a:ea typeface="Times New Roman"/>
+                        </a:rPr>
+                        <a:t>JP (</a:t>
+                      </a:r>
+                      <a:r>
+                        <a:rPr lang="es-ES" sz="900" dirty="0" err="1">
+                          <a:latin typeface="Arial"/>
+                          <a:ea typeface="Times New Roman"/>
+                        </a:rPr>
+                        <a:t>Y.Lecca</a:t>
+                      </a:r>
+                      <a:r>
+                        <a:rPr lang="es-ES" sz="900" dirty="0">
+                          <a:latin typeface="Arial"/>
+                          <a:ea typeface="Times New Roman"/>
+                        </a:rPr>
+                        <a:t>)), GPPS (</a:t>
+                      </a:r>
+                      <a:r>
+                        <a:rPr lang="es-ES" sz="900" dirty="0" err="1">
+                          <a:latin typeface="Arial"/>
+                          <a:ea typeface="Times New Roman"/>
+                        </a:rPr>
+                        <a:t>C.Gamarra</a:t>
+                      </a:r>
+                      <a:r>
+                        <a:rPr lang="es-ES" sz="900" dirty="0">
+                          <a:latin typeface="Arial"/>
+                          <a:ea typeface="Times New Roman"/>
+                        </a:rPr>
+                        <a:t>), INR</a:t>
+                      </a:r>
+                      <a:r>
+                        <a:rPr lang="es-ES" sz="900" baseline="0" dirty="0">
+                          <a:latin typeface="Arial"/>
+                          <a:ea typeface="Times New Roman"/>
+                        </a:rPr>
+                        <a:t> (P.de la Cruz), INGN(</a:t>
+                      </a:r>
+                      <a:r>
+                        <a:rPr lang="es-ES" sz="900" baseline="0" dirty="0" err="1">
+                          <a:latin typeface="Arial"/>
+                          <a:ea typeface="Times New Roman"/>
+                        </a:rPr>
+                        <a:t>G.Sanchez</a:t>
+                      </a:r>
+                      <a:r>
+                        <a:rPr lang="es-ES" sz="900" baseline="0" dirty="0">
+                          <a:latin typeface="Arial"/>
+                          <a:ea typeface="Times New Roman"/>
+                        </a:rPr>
+                        <a:t>). INSI(</a:t>
+                      </a:r>
+                      <a:r>
+                        <a:rPr lang="es-ES" sz="900" baseline="0" dirty="0" err="1">
+                          <a:latin typeface="Arial"/>
+                          <a:ea typeface="Times New Roman"/>
+                        </a:rPr>
+                        <a:t>E.Herrera</a:t>
+                      </a:r>
+                      <a:r>
+                        <a:rPr lang="es-ES" sz="900" baseline="0" dirty="0">
+                          <a:latin typeface="Arial"/>
+                          <a:ea typeface="Times New Roman"/>
+                        </a:rPr>
+                        <a:t>), PTD (</a:t>
+                      </a:r>
+                      <a:r>
+                        <a:rPr lang="es-ES" sz="900" baseline="0" dirty="0" err="1">
+                          <a:latin typeface="Arial"/>
+                          <a:ea typeface="Times New Roman"/>
+                        </a:rPr>
+                        <a:t>C.Drago</a:t>
+                      </a:r>
+                      <a:r>
+                        <a:rPr lang="es-ES" sz="900" baseline="0" dirty="0">
+                          <a:latin typeface="Arial"/>
+                          <a:ea typeface="Times New Roman"/>
+                        </a:rPr>
+                        <a:t>), PCIGV (W.A), JDP (</a:t>
+                      </a:r>
+                      <a:r>
+                        <a:rPr lang="es-ES" sz="900" baseline="0" dirty="0" err="1">
+                          <a:latin typeface="Arial"/>
+                          <a:ea typeface="Times New Roman"/>
+                        </a:rPr>
+                        <a:t>J.Estrada</a:t>
+                      </a:r>
+                      <a:r>
+                        <a:rPr lang="es-ES" sz="900" baseline="0" dirty="0">
+                          <a:latin typeface="Arial"/>
+                          <a:ea typeface="Times New Roman"/>
+                        </a:rPr>
+                        <a:t>), JPI (José Antón), LI (</a:t>
+                      </a:r>
+                      <a:r>
+                        <a:rPr lang="es-ES" sz="900" baseline="0" dirty="0" err="1">
+                          <a:latin typeface="Arial"/>
+                          <a:ea typeface="Times New Roman"/>
+                        </a:rPr>
+                        <a:t>E.Yataco</a:t>
+                      </a:r>
+                      <a:r>
+                        <a:rPr lang="es-ES" sz="900" baseline="0" dirty="0">
+                          <a:latin typeface="Arial"/>
+                          <a:ea typeface="Times New Roman"/>
+                        </a:rPr>
+                        <a:t>)</a:t>
+                      </a:r>
+                      <a:endParaRPr lang="es-PE" sz="1000" dirty="0">
+                        <a:latin typeface="Times New Roman"/>
+                        <a:ea typeface="Times New Roman"/>
+                      </a:endParaRPr>
+                    </a:p>
+                  </a:txBody>
+                  <a:tcPr marL="68580" marR="68580" marT="0" marB="0" anchor="ctr">
+                    <a:lnL w="12700" cap="flat" cmpd="sng" algn="ctr">
+                      <a:solidFill>
+                        <a:srgbClr val="000000"/>
+                      </a:solidFill>
+                      <a:prstDash val="solid"/>
+                      <a:round/>
+                      <a:headEnd type="none" w="med" len="med"/>
+                      <a:tailEnd type="none" w="med" len="med"/>
+                    </a:lnL>
+                    <a:lnR w="12700" cap="flat" cmpd="sng" algn="ctr">
+                      <a:solidFill>
+                        <a:srgbClr val="000000"/>
+                      </a:solidFill>
+                      <a:prstDash val="solid"/>
+                      <a:round/>
+                      <a:headEnd type="none" w="med" len="med"/>
+                      <a:tailEnd type="none" w="med" len="med"/>
+                    </a:lnR>
+                    <a:lnT w="12700" cap="flat" cmpd="sng" algn="ctr">
+                      <a:solidFill>
+                        <a:srgbClr val="000000"/>
+                      </a:solidFill>
+                      <a:prstDash val="solid"/>
+                      <a:round/>
+                      <a:headEnd type="none" w="med" len="med"/>
+                      <a:tailEnd type="none" w="med" len="med"/>
+                    </a:lnT>
+                    <a:lnB w="12700" cap="flat" cmpd="sng" algn="ctr">
+                      <a:solidFill>
+                        <a:srgbClr val="000000"/>
+                      </a:solidFill>
+                      <a:prstDash val="solid"/>
+                      <a:round/>
+                      <a:headEnd type="none" w="med" len="med"/>
+                      <a:tailEnd type="none" w="med" len="med"/>
+                    </a:lnB>
+                  </a:tcPr>
+                </a:tc>
+                <a:tc>
+                  <a:txBody>
+                    <a:bodyPr/>
+                    <a:lstStyle/>
+                    <a:p>
+                      <a:r>
+                        <a:rPr lang="es-PE" sz="800" kern="1200" baseline="0" dirty="0">
+                          <a:solidFill>
+                            <a:schemeClr val="tx1"/>
+                          </a:solidFill>
+                          <a:latin typeface="+mn-lt"/>
+                          <a:ea typeface="+mn-ea"/>
+                          <a:cs typeface="+mn-cs"/>
+                        </a:rPr>
+                        <a:t>- Hacer seguimiento al avance del plan de gestión del proyecto y sus componentes, así como advertir riesgos que pudiesen identificar y proponer medidas para mitigarlos.</a:t>
+                      </a:r>
+                    </a:p>
+                    <a:p>
+                      <a:r>
+                        <a:rPr lang="es-PE" sz="800" kern="1200" baseline="0" dirty="0">
+                          <a:solidFill>
+                            <a:schemeClr val="tx1"/>
+                          </a:solidFill>
+                          <a:latin typeface="+mn-lt"/>
+                          <a:ea typeface="+mn-ea"/>
+                          <a:cs typeface="+mn-cs"/>
+                        </a:rPr>
+                        <a:t>- Evaluar y opinar acerca de las solicitudes de cambio presentadas.</a:t>
+                      </a:r>
+                    </a:p>
+                    <a:p>
+                      <a:r>
+                        <a:rPr lang="es-PE" sz="800" kern="1200" baseline="0" dirty="0">
+                          <a:solidFill>
+                            <a:schemeClr val="tx1"/>
+                          </a:solidFill>
+                          <a:latin typeface="+mn-lt"/>
+                          <a:ea typeface="+mn-ea"/>
+                          <a:cs typeface="+mn-cs"/>
+                        </a:rPr>
+                        <a:t>- Articular con sus respectivas unidades a efectos de facilitar la implementación de los entregables y la emisión de la conformidad de esta, de corresponder.</a:t>
+                      </a:r>
+                    </a:p>
+                    <a:p>
+                      <a:r>
+                        <a:rPr lang="es-PE" sz="800" kern="1200" baseline="0" dirty="0">
+                          <a:solidFill>
+                            <a:schemeClr val="tx1"/>
+                          </a:solidFill>
+                          <a:latin typeface="+mn-lt"/>
+                          <a:ea typeface="+mn-ea"/>
+                          <a:cs typeface="+mn-cs"/>
+                        </a:rPr>
+                        <a:t>- Hacer de Rol consultivo, facilitador y previsor; emite opinión previa favorable o desfavorable cuando el JP eleve para aprobación algún cambio que impacte en el plan de gestión.</a:t>
+                      </a:r>
+                    </a:p>
+                    <a:p>
+                      <a:endParaRPr lang="es-PE" sz="800" dirty="0">
+                        <a:latin typeface="Times New Roman"/>
+                        <a:ea typeface="Times New Roman"/>
+                      </a:endParaRPr>
+                    </a:p>
+                  </a:txBody>
+                  <a:tcPr marL="68580" marR="68580" marT="0" marB="0" anchor="ctr">
+                    <a:lnL w="12700" cap="flat" cmpd="sng" algn="ctr">
+                      <a:solidFill>
+                        <a:srgbClr val="000000"/>
+                      </a:solidFill>
+                      <a:prstDash val="solid"/>
+                      <a:round/>
+                      <a:headEnd type="none" w="med" len="med"/>
+                      <a:tailEnd type="none" w="med" len="med"/>
+                    </a:lnL>
+                    <a:lnR w="12700" cap="flat" cmpd="sng" algn="ctr">
+                      <a:solidFill>
+                        <a:srgbClr val="000000"/>
+                      </a:solidFill>
+                      <a:prstDash val="solid"/>
+                      <a:round/>
+                      <a:headEnd type="none" w="med" len="med"/>
+                      <a:tailEnd type="none" w="med" len="med"/>
+                    </a:lnR>
+                    <a:lnT w="12700" cap="flat" cmpd="sng" algn="ctr">
+                      <a:solidFill>
+                        <a:srgbClr val="000000"/>
+                      </a:solidFill>
+                      <a:prstDash val="solid"/>
+                      <a:round/>
+                      <a:headEnd type="none" w="med" len="med"/>
+                      <a:tailEnd type="none" w="med" len="med"/>
+                    </a:lnT>
+                    <a:lnB w="12700" cap="flat" cmpd="sng" algn="ctr">
+                      <a:solidFill>
+                        <a:srgbClr val="000000"/>
+                      </a:solidFill>
+                      <a:prstDash val="solid"/>
+                      <a:round/>
+                      <a:headEnd type="none" w="med" len="med"/>
+                      <a:tailEnd type="none" w="med" len="med"/>
+                    </a:lnB>
+                  </a:tcPr>
+                </a:tc>
+                <a:extLst>
+                  <a:ext uri="{0D108BD9-81ED-4DB2-BD59-A6C34878D82A}">
+                    <a16:rowId xmlns:a16="http://schemas.microsoft.com/office/drawing/2014/main" val="10002"/>
+                  </a:ext>
+                </a:extLst>
+              </a:tr>
+              <a:tr h="1965950">
+                <a:tc>
+                  <a:txBody>
+                    <a:bodyPr/>
+                    <a:lstStyle/>
+                    <a:p>
+                      <a:pPr algn="ctr" fontAlgn="auto" hangingPunct="1">
+                        <a:spcAft>
+                          <a:spcPts val="0"/>
+                        </a:spcAft>
+                      </a:pPr>
+                      <a:r>
+                        <a:rPr lang="es-PE" sz="1000" dirty="0">
+                          <a:latin typeface="Times New Roman"/>
+                          <a:ea typeface="Times New Roman"/>
+                        </a:rPr>
+                        <a:t>Jefe de Proyecto</a:t>
+                      </a:r>
+                    </a:p>
+                  </a:txBody>
+                  <a:tcPr marL="68580" marR="68580" marT="0" marB="0" anchor="ctr">
+                    <a:lnL w="12700" cap="flat" cmpd="sng" algn="ctr">
+                      <a:solidFill>
+                        <a:srgbClr val="000000"/>
+                      </a:solidFill>
+                      <a:prstDash val="solid"/>
+                      <a:round/>
+                      <a:headEnd type="none" w="med" len="med"/>
+                      <a:tailEnd type="none" w="med" len="med"/>
+                    </a:lnL>
+                    <a:lnR w="12700" cap="flat" cmpd="sng" algn="ctr">
+                      <a:solidFill>
+                        <a:srgbClr val="000000"/>
+                      </a:solidFill>
+                      <a:prstDash val="solid"/>
+                      <a:round/>
+                      <a:headEnd type="none" w="med" len="med"/>
+                      <a:tailEnd type="none" w="med" len="med"/>
+                    </a:lnR>
+                    <a:lnT w="12700" cap="flat" cmpd="sng" algn="ctr">
+                      <a:solidFill>
+                        <a:srgbClr val="000000"/>
+                      </a:solidFill>
+                      <a:prstDash val="solid"/>
+                      <a:round/>
+                      <a:headEnd type="none" w="med" len="med"/>
+                      <a:tailEnd type="none" w="med" len="med"/>
+                    </a:lnT>
+                    <a:lnB w="12700" cap="flat" cmpd="sng" algn="ctr">
+                      <a:solidFill>
+                        <a:srgbClr val="000000"/>
+                      </a:solidFill>
+                      <a:prstDash val="solid"/>
+                      <a:round/>
+                      <a:headEnd type="none" w="med" len="med"/>
+                      <a:tailEnd type="none" w="med" len="med"/>
+                    </a:lnB>
+                  </a:tcPr>
+                </a:tc>
+                <a:tc>
+                  <a:txBody>
+                    <a:bodyPr/>
+                    <a:lstStyle/>
+                    <a:p>
+                      <a:pPr algn="ctr" fontAlgn="auto" hangingPunct="1">
+                        <a:spcAft>
+                          <a:spcPts val="0"/>
+                        </a:spcAft>
+                      </a:pPr>
+                      <a:r>
+                        <a:rPr lang="es-PE" sz="1000" dirty="0" err="1">
+                          <a:latin typeface="Times New Roman"/>
+                          <a:ea typeface="Times New Roman"/>
+                        </a:rPr>
+                        <a:t>Yackeline</a:t>
+                      </a:r>
+                      <a:r>
+                        <a:rPr lang="es-PE" sz="1000" dirty="0">
+                          <a:latin typeface="Times New Roman"/>
+                          <a:ea typeface="Times New Roman"/>
+                        </a:rPr>
+                        <a:t> </a:t>
+                      </a:r>
+                      <a:r>
+                        <a:rPr lang="es-PE" sz="1000" dirty="0" err="1">
+                          <a:latin typeface="Times New Roman"/>
+                          <a:ea typeface="Times New Roman"/>
+                        </a:rPr>
+                        <a:t>Lecca</a:t>
+                      </a:r>
+                      <a:endParaRPr lang="es-PE" sz="1000" dirty="0">
+                        <a:latin typeface="Times New Roman"/>
+                        <a:ea typeface="Times New Roman"/>
+                      </a:endParaRPr>
+                    </a:p>
+                  </a:txBody>
+                  <a:tcPr marL="68580" marR="68580" marT="0" marB="0" anchor="ctr">
+                    <a:lnL w="12700" cap="flat" cmpd="sng" algn="ctr">
+                      <a:solidFill>
+                        <a:srgbClr val="000000"/>
+                      </a:solidFill>
+                      <a:prstDash val="solid"/>
+                      <a:round/>
+                      <a:headEnd type="none" w="med" len="med"/>
+                      <a:tailEnd type="none" w="med" len="med"/>
+                    </a:lnL>
+                    <a:lnR w="12700" cap="flat" cmpd="sng" algn="ctr">
+                      <a:solidFill>
+                        <a:srgbClr val="000000"/>
+                      </a:solidFill>
+                      <a:prstDash val="solid"/>
+                      <a:round/>
+                      <a:headEnd type="none" w="med" len="med"/>
+                      <a:tailEnd type="none" w="med" len="med"/>
+                    </a:lnR>
+                    <a:lnT w="12700" cap="flat" cmpd="sng" algn="ctr">
+                      <a:solidFill>
+                        <a:srgbClr val="000000"/>
+                      </a:solidFill>
+                      <a:prstDash val="solid"/>
+                      <a:round/>
+                      <a:headEnd type="none" w="med" len="med"/>
+                      <a:tailEnd type="none" w="med" len="med"/>
+                    </a:lnT>
+                    <a:lnB w="12700" cap="flat" cmpd="sng" algn="ctr">
+                      <a:solidFill>
+                        <a:srgbClr val="000000"/>
+                      </a:solidFill>
+                      <a:prstDash val="solid"/>
+                      <a:round/>
+                      <a:headEnd type="none" w="med" len="med"/>
+                      <a:tailEnd type="none" w="med" len="med"/>
+                    </a:lnB>
+                  </a:tcPr>
+                </a:tc>
+                <a:tc>
+                  <a:txBody>
+                    <a:bodyPr/>
+                    <a:lstStyle/>
+                    <a:p>
+                      <a:pPr marL="0" algn="just" defTabSz="914400" rtl="0" eaLnBrk="1" fontAlgn="auto" latinLnBrk="0" hangingPunct="1">
+                        <a:spcAft>
+                          <a:spcPts val="0"/>
+                        </a:spcAft>
+                      </a:pPr>
+                      <a:r>
+                        <a:rPr lang="es-PE" sz="800" kern="1200" dirty="0">
+                          <a:solidFill>
+                            <a:schemeClr val="tx1"/>
+                          </a:solidFill>
+                          <a:latin typeface="Arial"/>
+                          <a:ea typeface="Times New Roman"/>
+                          <a:cs typeface="+mn-cs"/>
+                        </a:rPr>
+                        <a:t>-Elaborar el plan de gestión de proyecto.</a:t>
+                      </a:r>
+                    </a:p>
+                    <a:p>
+                      <a:pPr marL="0" algn="just" defTabSz="914400" rtl="0" eaLnBrk="1" fontAlgn="auto" latinLnBrk="0" hangingPunct="1">
+                        <a:spcAft>
+                          <a:spcPts val="0"/>
+                        </a:spcAft>
+                      </a:pPr>
+                      <a:r>
+                        <a:rPr lang="es-PE" sz="800" kern="1200" dirty="0">
+                          <a:solidFill>
+                            <a:schemeClr val="tx1"/>
+                          </a:solidFill>
+                          <a:latin typeface="Arial"/>
+                          <a:ea typeface="Times New Roman"/>
+                          <a:cs typeface="+mn-cs"/>
+                        </a:rPr>
+                        <a:t>-Elaborar las solicitudes de cambios del proyecto.</a:t>
+                      </a:r>
+                    </a:p>
+                    <a:p>
+                      <a:pPr marL="0" algn="just" defTabSz="914400" rtl="0" eaLnBrk="1" fontAlgn="auto" latinLnBrk="0" hangingPunct="1">
+                        <a:spcAft>
+                          <a:spcPts val="0"/>
+                        </a:spcAft>
+                      </a:pPr>
+                      <a:r>
+                        <a:rPr lang="es-PE" sz="800" kern="1200" dirty="0" smtClean="0">
+                          <a:solidFill>
+                            <a:schemeClr val="tx1"/>
+                          </a:solidFill>
+                          <a:latin typeface="Arial"/>
+                          <a:ea typeface="Times New Roman"/>
+                          <a:cs typeface="+mn-cs"/>
+                        </a:rPr>
+                        <a:t>--</a:t>
+                      </a:r>
+                      <a:r>
+                        <a:rPr lang="es-PE" sz="800" kern="1200" dirty="0">
+                          <a:solidFill>
+                            <a:schemeClr val="tx1"/>
+                          </a:solidFill>
+                          <a:latin typeface="Arial"/>
+                          <a:ea typeface="Times New Roman"/>
+                          <a:cs typeface="+mn-cs"/>
+                        </a:rPr>
+                        <a:t>Gestionar la conformidad de los entregables implantados</a:t>
+                      </a:r>
+                    </a:p>
+                    <a:p>
+                      <a:pPr marL="0" algn="just" defTabSz="914400" rtl="0" eaLnBrk="1" fontAlgn="auto" latinLnBrk="0" hangingPunct="1">
+                        <a:spcAft>
+                          <a:spcPts val="0"/>
+                        </a:spcAft>
+                      </a:pPr>
+                      <a:r>
+                        <a:rPr lang="es-PE" sz="800" kern="1200" dirty="0">
+                          <a:solidFill>
+                            <a:schemeClr val="tx1"/>
+                          </a:solidFill>
+                          <a:latin typeface="Arial"/>
+                          <a:ea typeface="Times New Roman"/>
+                          <a:cs typeface="+mn-cs"/>
+                        </a:rPr>
+                        <a:t>-Elaborar los informes de estado del proyecto.</a:t>
+                      </a:r>
+                    </a:p>
+                    <a:p>
+                      <a:pPr marL="0" algn="just" defTabSz="914400" rtl="0" eaLnBrk="1" fontAlgn="auto" latinLnBrk="0" hangingPunct="1">
+                        <a:spcAft>
+                          <a:spcPts val="0"/>
+                        </a:spcAft>
+                      </a:pPr>
+                      <a:r>
+                        <a:rPr lang="es-PE" sz="800" kern="1200" dirty="0">
+                          <a:solidFill>
+                            <a:schemeClr val="tx1"/>
+                          </a:solidFill>
+                          <a:latin typeface="Arial"/>
+                          <a:ea typeface="Times New Roman"/>
+                          <a:cs typeface="+mn-cs"/>
+                        </a:rPr>
+                        <a:t>-Colaborar con la presentación de información necesaria para las reuniones de Alta Dirección y del CP.</a:t>
+                      </a:r>
+                    </a:p>
+                    <a:p>
+                      <a:pPr marL="0" algn="just" defTabSz="914400" rtl="0" eaLnBrk="1" fontAlgn="auto" latinLnBrk="0" hangingPunct="1">
+                        <a:spcAft>
+                          <a:spcPts val="0"/>
+                        </a:spcAft>
+                      </a:pPr>
+                      <a:r>
+                        <a:rPr lang="es-PE" sz="800" kern="1200" dirty="0">
+                          <a:solidFill>
+                            <a:schemeClr val="tx1"/>
+                          </a:solidFill>
+                          <a:latin typeface="Arial"/>
+                          <a:ea typeface="Times New Roman"/>
+                          <a:cs typeface="+mn-cs"/>
+                        </a:rPr>
+                        <a:t>-Ejecutar las labores de seguimiento, coordinación y control de las actividades del proyecto</a:t>
+                      </a:r>
+                    </a:p>
+                    <a:p>
+                      <a:pPr marL="0" algn="just" defTabSz="914400" rtl="0" eaLnBrk="1" fontAlgn="auto" latinLnBrk="0" hangingPunct="1">
+                        <a:spcAft>
+                          <a:spcPts val="0"/>
+                        </a:spcAft>
+                      </a:pPr>
+                      <a:r>
+                        <a:rPr lang="es-PE" sz="800" kern="1200" dirty="0">
+                          <a:solidFill>
+                            <a:schemeClr val="tx1"/>
+                          </a:solidFill>
+                          <a:latin typeface="Arial"/>
+                          <a:ea typeface="Times New Roman"/>
+                          <a:cs typeface="+mn-cs"/>
+                        </a:rPr>
+                        <a:t>como el </a:t>
+                      </a:r>
+                      <a:r>
+                        <a:rPr lang="es-PE" sz="800" kern="1200" dirty="0" err="1">
+                          <a:solidFill>
+                            <a:schemeClr val="tx1"/>
+                          </a:solidFill>
+                          <a:latin typeface="Arial"/>
+                          <a:ea typeface="Times New Roman"/>
+                          <a:cs typeface="+mn-cs"/>
+                        </a:rPr>
+                        <a:t>modelamiento</a:t>
+                      </a:r>
+                      <a:r>
+                        <a:rPr lang="es-PE" sz="800" kern="1200" dirty="0">
+                          <a:solidFill>
+                            <a:schemeClr val="tx1"/>
+                          </a:solidFill>
+                          <a:latin typeface="Arial"/>
+                          <a:ea typeface="Times New Roman"/>
+                          <a:cs typeface="+mn-cs"/>
+                        </a:rPr>
+                        <a:t>, desarrollo e implementación de los entregables y, asegurar el logro de</a:t>
+                      </a:r>
+                    </a:p>
+                    <a:p>
+                      <a:pPr marL="0" algn="just" defTabSz="914400" rtl="0" eaLnBrk="1" fontAlgn="auto" latinLnBrk="0" hangingPunct="1">
+                        <a:spcAft>
+                          <a:spcPts val="0"/>
+                        </a:spcAft>
+                      </a:pPr>
+                      <a:r>
+                        <a:rPr lang="es-PE" sz="800" kern="1200" dirty="0">
+                          <a:solidFill>
+                            <a:schemeClr val="tx1"/>
+                          </a:solidFill>
+                          <a:latin typeface="Arial"/>
+                          <a:ea typeface="Times New Roman"/>
+                          <a:cs typeface="+mn-cs"/>
+                        </a:rPr>
+                        <a:t>los objetivos del proyecto.</a:t>
+                      </a:r>
+                    </a:p>
+                    <a:p>
+                      <a:pPr marL="0" algn="just" defTabSz="914400" rtl="0" eaLnBrk="1" fontAlgn="auto" latinLnBrk="0" hangingPunct="1">
+                        <a:spcAft>
+                          <a:spcPts val="0"/>
+                        </a:spcAft>
+                      </a:pPr>
+                      <a:r>
+                        <a:rPr lang="es-PE" sz="800" kern="1200" dirty="0">
+                          <a:solidFill>
+                            <a:schemeClr val="tx1"/>
+                          </a:solidFill>
+                          <a:latin typeface="Arial"/>
+                          <a:ea typeface="Times New Roman"/>
+                          <a:cs typeface="+mn-cs"/>
+                        </a:rPr>
+                        <a:t>-Gestionar los riesgos del proyecto, realizar las acciones preventivas y correctivas para asegurar el éxito del proyecto.</a:t>
+                      </a:r>
+                    </a:p>
+                    <a:p>
+                      <a:pPr marL="0" algn="just" defTabSz="914400" rtl="0" eaLnBrk="1" fontAlgn="auto" latinLnBrk="0" hangingPunct="1">
+                        <a:spcAft>
+                          <a:spcPts val="0"/>
+                        </a:spcAft>
+                      </a:pPr>
+                      <a:r>
+                        <a:rPr lang="es-PE" sz="800" kern="1200" dirty="0">
+                          <a:solidFill>
+                            <a:schemeClr val="tx1"/>
+                          </a:solidFill>
+                          <a:latin typeface="Arial"/>
+                          <a:ea typeface="Times New Roman"/>
+                          <a:cs typeface="+mn-cs"/>
+                        </a:rPr>
+                        <a:t>-Colaborar con la presentación para la reunión de cierre con la Alta Dirección, por culminación</a:t>
+                      </a:r>
+                    </a:p>
+                    <a:p>
+                      <a:pPr marL="0" algn="just" defTabSz="914400" rtl="0" eaLnBrk="1" fontAlgn="auto" latinLnBrk="0" hangingPunct="1">
+                        <a:spcAft>
+                          <a:spcPts val="0"/>
+                        </a:spcAft>
+                      </a:pPr>
+                      <a:r>
+                        <a:rPr lang="es-PE" sz="800" kern="1200" dirty="0">
+                          <a:solidFill>
+                            <a:schemeClr val="tx1"/>
+                          </a:solidFill>
+                          <a:latin typeface="Arial"/>
+                          <a:ea typeface="Times New Roman"/>
+                          <a:cs typeface="+mn-cs"/>
+                        </a:rPr>
+                        <a:t>del ciclo del proyecto componente.</a:t>
+                      </a:r>
+                    </a:p>
+                    <a:p>
+                      <a:pPr marL="0" algn="just" defTabSz="914400" rtl="0" eaLnBrk="1" fontAlgn="auto" latinLnBrk="0" hangingPunct="1">
+                        <a:spcAft>
+                          <a:spcPts val="0"/>
+                        </a:spcAft>
+                      </a:pPr>
+                      <a:r>
+                        <a:rPr lang="es-PE" sz="800" kern="1200" dirty="0">
+                          <a:solidFill>
+                            <a:schemeClr val="tx1"/>
+                          </a:solidFill>
+                          <a:latin typeface="Arial"/>
+                          <a:ea typeface="Times New Roman"/>
+                          <a:cs typeface="+mn-cs"/>
+                        </a:rPr>
+                        <a:t>-Elaborar el informe de cierre del proyecto.</a:t>
+                      </a:r>
+                    </a:p>
+                  </a:txBody>
+                  <a:tcPr marL="68580" marR="68580" marT="0" marB="0" anchor="ctr">
+                    <a:lnL w="12700" cap="flat" cmpd="sng" algn="ctr">
+                      <a:solidFill>
+                        <a:srgbClr val="000000"/>
+                      </a:solidFill>
+                      <a:prstDash val="solid"/>
+                      <a:round/>
+                      <a:headEnd type="none" w="med" len="med"/>
+                      <a:tailEnd type="none" w="med" len="med"/>
+                    </a:lnL>
+                    <a:lnR w="12700" cap="flat" cmpd="sng" algn="ctr">
+                      <a:solidFill>
+                        <a:srgbClr val="000000"/>
+                      </a:solidFill>
+                      <a:prstDash val="solid"/>
+                      <a:round/>
+                      <a:headEnd type="none" w="med" len="med"/>
+                      <a:tailEnd type="none" w="med" len="med"/>
+                    </a:lnR>
+                    <a:lnT w="12700" cap="flat" cmpd="sng" algn="ctr">
+                      <a:solidFill>
+                        <a:srgbClr val="000000"/>
+                      </a:solidFill>
+                      <a:prstDash val="solid"/>
+                      <a:round/>
+                      <a:headEnd type="none" w="med" len="med"/>
+                      <a:tailEnd type="none" w="med" len="med"/>
+                    </a:lnT>
+                    <a:lnB w="12700" cap="flat" cmpd="sng" algn="ctr">
+                      <a:solidFill>
+                        <a:srgbClr val="000000"/>
+                      </a:solidFill>
+                      <a:prstDash val="solid"/>
+                      <a:round/>
+                      <a:headEnd type="none" w="med" len="med"/>
+                      <a:tailEnd type="none" w="med" len="med"/>
+                    </a:lnB>
+                  </a:tcPr>
+                </a:tc>
+                <a:extLst>
+                  <a:ext uri="{0D108BD9-81ED-4DB2-BD59-A6C34878D82A}">
+                    <a16:rowId xmlns:a16="http://schemas.microsoft.com/office/drawing/2014/main" val="10003"/>
+                  </a:ext>
+                </a:extLst>
+              </a:tr>
+              <a:tr h="2654033">
+                <a:tc>
+                  <a:txBody>
+                    <a:bodyPr/>
+                    <a:lstStyle/>
+                    <a:p>
+                      <a:pPr algn="ctr" fontAlgn="auto" hangingPunct="1">
+                        <a:spcAft>
+                          <a:spcPts val="0"/>
+                        </a:spcAft>
+                      </a:pPr>
+                      <a:r>
+                        <a:rPr lang="es-PE" sz="1000" dirty="0">
+                          <a:latin typeface="Times New Roman"/>
+                          <a:ea typeface="Times New Roman"/>
+                        </a:rPr>
+                        <a:t>Líder</a:t>
+                      </a:r>
+                      <a:r>
+                        <a:rPr lang="es-PE" sz="1000" baseline="0" dirty="0">
+                          <a:latin typeface="Times New Roman"/>
+                          <a:ea typeface="Times New Roman"/>
+                        </a:rPr>
+                        <a:t> Informático</a:t>
+                      </a:r>
+                      <a:endParaRPr lang="es-PE" sz="1000" dirty="0">
+                        <a:latin typeface="Times New Roman"/>
+                        <a:ea typeface="Times New Roman"/>
+                      </a:endParaRPr>
+                    </a:p>
+                  </a:txBody>
+                  <a:tcPr marL="68580" marR="68580" marT="0" marB="0" anchor="ctr">
+                    <a:lnL w="12700" cap="flat" cmpd="sng" algn="ctr">
+                      <a:solidFill>
+                        <a:srgbClr val="000000"/>
+                      </a:solidFill>
+                      <a:prstDash val="solid"/>
+                      <a:round/>
+                      <a:headEnd type="none" w="med" len="med"/>
+                      <a:tailEnd type="none" w="med" len="med"/>
+                    </a:lnL>
+                    <a:lnR w="12700" cap="flat" cmpd="sng" algn="ctr">
+                      <a:solidFill>
+                        <a:srgbClr val="000000"/>
+                      </a:solidFill>
+                      <a:prstDash val="solid"/>
+                      <a:round/>
+                      <a:headEnd type="none" w="med" len="med"/>
+                      <a:tailEnd type="none" w="med" len="med"/>
+                    </a:lnR>
+                    <a:lnT w="12700" cap="flat" cmpd="sng" algn="ctr">
+                      <a:solidFill>
+                        <a:srgbClr val="000000"/>
+                      </a:solidFill>
+                      <a:prstDash val="solid"/>
+                      <a:round/>
+                      <a:headEnd type="none" w="med" len="med"/>
+                      <a:tailEnd type="none" w="med" len="med"/>
+                    </a:lnT>
+                    <a:lnB w="12700" cap="flat" cmpd="sng" algn="ctr">
+                      <a:solidFill>
+                        <a:srgbClr val="000000"/>
+                      </a:solidFill>
+                      <a:prstDash val="solid"/>
+                      <a:round/>
+                      <a:headEnd type="none" w="med" len="med"/>
+                      <a:tailEnd type="none" w="med" len="med"/>
+                    </a:lnB>
+                  </a:tcPr>
+                </a:tc>
+                <a:tc>
+                  <a:txBody>
+                    <a:bodyPr/>
+                    <a:lstStyle/>
+                    <a:p>
+                      <a:pPr algn="ctr" fontAlgn="auto" hangingPunct="1">
+                        <a:spcAft>
+                          <a:spcPts val="0"/>
+                        </a:spcAft>
+                      </a:pPr>
+                      <a:r>
+                        <a:rPr lang="es-PE" sz="1000" dirty="0">
+                          <a:latin typeface="Times New Roman"/>
+                          <a:ea typeface="Times New Roman"/>
+                        </a:rPr>
+                        <a:t>Eduardo Yataco</a:t>
+                      </a:r>
+                    </a:p>
+                  </a:txBody>
+                  <a:tcPr marL="68580" marR="68580" marT="0" marB="0" anchor="ctr">
+                    <a:lnL w="12700" cap="flat" cmpd="sng" algn="ctr">
+                      <a:solidFill>
+                        <a:srgbClr val="000000"/>
+                      </a:solidFill>
+                      <a:prstDash val="solid"/>
+                      <a:round/>
+                      <a:headEnd type="none" w="med" len="med"/>
+                      <a:tailEnd type="none" w="med" len="med"/>
+                    </a:lnL>
+                    <a:lnR w="12700" cap="flat" cmpd="sng" algn="ctr">
+                      <a:solidFill>
+                        <a:srgbClr val="000000"/>
+                      </a:solidFill>
+                      <a:prstDash val="solid"/>
+                      <a:round/>
+                      <a:headEnd type="none" w="med" len="med"/>
+                      <a:tailEnd type="none" w="med" len="med"/>
+                    </a:lnR>
+                    <a:lnT w="12700" cap="flat" cmpd="sng" algn="ctr">
+                      <a:solidFill>
+                        <a:srgbClr val="000000"/>
+                      </a:solidFill>
+                      <a:prstDash val="solid"/>
+                      <a:round/>
+                      <a:headEnd type="none" w="med" len="med"/>
+                      <a:tailEnd type="none" w="med" len="med"/>
+                    </a:lnT>
+                    <a:lnB w="12700" cap="flat" cmpd="sng" algn="ctr">
+                      <a:solidFill>
+                        <a:srgbClr val="000000"/>
+                      </a:solidFill>
+                      <a:prstDash val="solid"/>
+                      <a:round/>
+                      <a:headEnd type="none" w="med" len="med"/>
+                      <a:tailEnd type="none" w="med" len="med"/>
+                    </a:lnB>
+                  </a:tcPr>
+                </a:tc>
+                <a:tc>
+                  <a:txBody>
+                    <a:bodyPr/>
+                    <a:lstStyle/>
+                    <a:p>
+                      <a:pPr algn="just" fontAlgn="auto" hangingPunct="1">
+                        <a:spcAft>
+                          <a:spcPts val="0"/>
+                        </a:spcAft>
+                      </a:pPr>
+                      <a:r>
+                        <a:rPr lang="es-PE" sz="800" dirty="0" smtClean="0">
+                          <a:latin typeface="Times New Roman"/>
+                          <a:ea typeface="Times New Roman"/>
+                        </a:rPr>
+                        <a:t>-Asegurar </a:t>
+                      </a:r>
+                      <a:r>
+                        <a:rPr lang="es-PE" sz="800" dirty="0">
+                          <a:latin typeface="Times New Roman"/>
+                          <a:ea typeface="Times New Roman"/>
+                        </a:rPr>
+                        <a:t>el involucramiento de la INSI en el desarrollo de cada uno de los entregables con componente informático.</a:t>
+                      </a:r>
+                    </a:p>
+                    <a:p>
+                      <a:pPr algn="just" fontAlgn="auto" hangingPunct="1">
+                        <a:spcAft>
+                          <a:spcPts val="0"/>
+                        </a:spcAft>
+                      </a:pPr>
+                      <a:r>
+                        <a:rPr lang="es-PE" sz="800" dirty="0">
+                          <a:latin typeface="Times New Roman"/>
+                          <a:ea typeface="Times New Roman"/>
+                        </a:rPr>
+                        <a:t>-Apoyar en la estimación de tiempos y costos de los entregables informáticos.</a:t>
+                      </a:r>
+                    </a:p>
+                    <a:p>
+                      <a:pPr algn="just" fontAlgn="auto" hangingPunct="1">
+                        <a:spcAft>
+                          <a:spcPts val="0"/>
+                        </a:spcAft>
+                      </a:pPr>
+                      <a:r>
+                        <a:rPr lang="es-PE" sz="800" dirty="0">
+                          <a:latin typeface="Times New Roman"/>
+                          <a:ea typeface="Times New Roman"/>
+                        </a:rPr>
+                        <a:t>-Asegurar la incorporación de las actividades que permitan validar la calidad de los entregables informáticos (</a:t>
+                      </a:r>
+                      <a:r>
+                        <a:rPr lang="es-PE" sz="800" dirty="0" err="1">
+                          <a:latin typeface="Times New Roman"/>
+                          <a:ea typeface="Times New Roman"/>
+                        </a:rPr>
+                        <a:t>modelamiento</a:t>
+                      </a:r>
+                      <a:r>
+                        <a:rPr lang="es-PE" sz="800" dirty="0">
+                          <a:latin typeface="Times New Roman"/>
+                          <a:ea typeface="Times New Roman"/>
+                        </a:rPr>
+                        <a:t> informático, construcción informática, certificación de calidad, etc.).</a:t>
+                      </a:r>
+                    </a:p>
+                    <a:p>
+                      <a:pPr algn="just" fontAlgn="auto" hangingPunct="1">
+                        <a:spcAft>
+                          <a:spcPts val="0"/>
+                        </a:spcAft>
+                      </a:pPr>
+                      <a:r>
+                        <a:rPr lang="es-PE" sz="800" dirty="0">
+                          <a:latin typeface="Times New Roman"/>
+                          <a:ea typeface="Times New Roman"/>
+                        </a:rPr>
+                        <a:t>-Coordinar las pruebas necesarias para verificar que los entregables informáticos desarrollados cumplen los requisitos y especificaciones de análisis y diseño.</a:t>
+                      </a:r>
+                    </a:p>
+                    <a:p>
+                      <a:pPr algn="just" fontAlgn="auto" hangingPunct="1">
+                        <a:spcAft>
+                          <a:spcPts val="0"/>
+                        </a:spcAft>
+                      </a:pPr>
+                      <a:r>
+                        <a:rPr lang="es-PE" sz="800" dirty="0">
+                          <a:latin typeface="Times New Roman"/>
+                          <a:ea typeface="Times New Roman"/>
+                        </a:rPr>
+                        <a:t>-Brindar información sobre el estado de los entregables del proyecto a su cargo.</a:t>
+                      </a:r>
+                    </a:p>
+                    <a:p>
+                      <a:pPr algn="just" fontAlgn="auto" hangingPunct="1">
+                        <a:spcAft>
+                          <a:spcPts val="0"/>
+                        </a:spcAft>
+                      </a:pPr>
+                      <a:r>
+                        <a:rPr lang="es-PE" sz="800" dirty="0">
+                          <a:latin typeface="Times New Roman"/>
+                          <a:ea typeface="Times New Roman"/>
+                        </a:rPr>
+                        <a:t>-Supervisar la ejecución de los entregables informáticos, conforme al cronograma establecido y, en su caso, gestionar los ajustes necesarios para su cumplimiento.</a:t>
+                      </a:r>
+                    </a:p>
+                    <a:p>
+                      <a:pPr algn="just" fontAlgn="auto" hangingPunct="1">
+                        <a:spcAft>
+                          <a:spcPts val="0"/>
+                        </a:spcAft>
+                      </a:pPr>
+                      <a:r>
+                        <a:rPr lang="es-PE" sz="800" dirty="0">
+                          <a:latin typeface="Times New Roman"/>
+                          <a:ea typeface="Times New Roman"/>
+                        </a:rPr>
+                        <a:t>-Promover y conducir las reuniones con el equipo de trabajo y con los usuarios y otros interesados para garantizar el avance de los entregables informáticos, así como elaborar las actas respectivas con los puntos tratados y los acuerdos concretados.</a:t>
+                      </a:r>
+                    </a:p>
+                    <a:p>
+                      <a:pPr algn="just" fontAlgn="auto" hangingPunct="1">
+                        <a:spcAft>
+                          <a:spcPts val="0"/>
+                        </a:spcAft>
+                      </a:pPr>
+                      <a:r>
+                        <a:rPr lang="es-PE" sz="800" dirty="0">
+                          <a:latin typeface="Times New Roman"/>
+                          <a:ea typeface="Times New Roman"/>
+                        </a:rPr>
+                        <a:t>-Coordinar y supervisar que la documentación de las actividades realizadas en las fases de requisitos, de análisis y diseño, de construcción y de cierre esté completa y actualizada.</a:t>
+                      </a:r>
+                    </a:p>
+                    <a:p>
+                      <a:pPr algn="just" fontAlgn="auto" hangingPunct="1">
+                        <a:spcAft>
+                          <a:spcPts val="0"/>
+                        </a:spcAft>
+                      </a:pPr>
+                      <a:r>
+                        <a:rPr lang="es-PE" sz="800" dirty="0">
+                          <a:latin typeface="Times New Roman"/>
+                          <a:ea typeface="Times New Roman"/>
+                        </a:rPr>
+                        <a:t>-Promover y coordinar las reuniones con el equipo de trabajo y con el </a:t>
+                      </a:r>
+                      <a:r>
+                        <a:rPr lang="es-PE" sz="800" dirty="0" smtClean="0">
+                          <a:latin typeface="Times New Roman"/>
+                          <a:ea typeface="Times New Roman"/>
+                        </a:rPr>
+                        <a:t>JP</a:t>
+                      </a:r>
+                      <a:r>
+                        <a:rPr lang="es-PE" sz="800" baseline="0" dirty="0" smtClean="0">
+                          <a:latin typeface="Times New Roman"/>
+                          <a:ea typeface="Times New Roman"/>
+                        </a:rPr>
+                        <a:t> </a:t>
+                      </a:r>
+                      <a:r>
+                        <a:rPr lang="es-PE" sz="800" dirty="0" smtClean="0">
+                          <a:latin typeface="Times New Roman"/>
+                          <a:ea typeface="Times New Roman"/>
+                        </a:rPr>
+                        <a:t>y </a:t>
+                      </a:r>
+                      <a:r>
+                        <a:rPr lang="es-PE" sz="800" dirty="0">
+                          <a:latin typeface="Times New Roman"/>
+                          <a:ea typeface="Times New Roman"/>
+                        </a:rPr>
+                        <a:t>directivos de los órganos de línea, para verificar los avances y validar la información.</a:t>
+                      </a:r>
+                    </a:p>
+                    <a:p>
+                      <a:pPr algn="just" fontAlgn="auto" hangingPunct="1">
+                        <a:spcAft>
+                          <a:spcPts val="0"/>
+                        </a:spcAft>
+                      </a:pPr>
+                      <a:r>
+                        <a:rPr lang="es-PE" sz="800" dirty="0">
+                          <a:latin typeface="Times New Roman"/>
+                          <a:ea typeface="Times New Roman"/>
+                        </a:rPr>
+                        <a:t>-Efectuar el seguimiento de los entregables informáticos.</a:t>
+                      </a:r>
+                    </a:p>
+                    <a:p>
+                      <a:pPr algn="just" fontAlgn="auto" hangingPunct="1">
+                        <a:spcAft>
+                          <a:spcPts val="0"/>
+                        </a:spcAft>
+                      </a:pPr>
+                      <a:r>
+                        <a:rPr lang="es-PE" sz="800" dirty="0">
+                          <a:latin typeface="Times New Roman"/>
+                          <a:ea typeface="Times New Roman"/>
+                        </a:rPr>
+                        <a:t>-Apoyar en el análisis de impacto de las solicitudes de cambio.</a:t>
+                      </a:r>
+                    </a:p>
+                    <a:p>
+                      <a:pPr algn="just" fontAlgn="auto" hangingPunct="1">
+                        <a:spcAft>
+                          <a:spcPts val="0"/>
+                        </a:spcAft>
+                      </a:pPr>
+                      <a:r>
+                        <a:rPr lang="es-PE" sz="800" dirty="0">
+                          <a:latin typeface="Times New Roman"/>
+                          <a:ea typeface="Times New Roman"/>
+                        </a:rPr>
+                        <a:t>-Brindar el soporte necesario a los integrantes del equipo del proyecto.</a:t>
+                      </a:r>
+                    </a:p>
+                    <a:p>
+                      <a:pPr algn="just" fontAlgn="auto" hangingPunct="1">
+                        <a:spcAft>
+                          <a:spcPts val="0"/>
+                        </a:spcAft>
+                      </a:pPr>
+                      <a:r>
+                        <a:rPr lang="es-PE" sz="800" dirty="0">
+                          <a:latin typeface="Times New Roman"/>
+                          <a:ea typeface="Times New Roman"/>
+                        </a:rPr>
+                        <a:t>-Cumplir otras labores que le encomiende el JP que sean de carácter informático</a:t>
+                      </a:r>
+                      <a:r>
+                        <a:rPr lang="es-PE" sz="1000" dirty="0">
+                          <a:latin typeface="Times New Roman"/>
+                          <a:ea typeface="Times New Roman"/>
+                        </a:rPr>
+                        <a:t>.</a:t>
+                      </a:r>
+                    </a:p>
+                  </a:txBody>
+                  <a:tcPr marL="68580" marR="68580" marT="0" marB="0" anchor="ctr">
+                    <a:lnL w="12700" cap="flat" cmpd="sng" algn="ctr">
+                      <a:solidFill>
+                        <a:srgbClr val="000000"/>
+                      </a:solidFill>
+                      <a:prstDash val="solid"/>
+                      <a:round/>
+                      <a:headEnd type="none" w="med" len="med"/>
+                      <a:tailEnd type="none" w="med" len="med"/>
+                    </a:lnL>
+                    <a:lnR w="12700" cap="flat" cmpd="sng" algn="ctr">
+                      <a:solidFill>
+                        <a:srgbClr val="000000"/>
+                      </a:solidFill>
+                      <a:prstDash val="solid"/>
+                      <a:round/>
+                      <a:headEnd type="none" w="med" len="med"/>
+                      <a:tailEnd type="none" w="med" len="med"/>
+                    </a:lnR>
+                    <a:lnT w="12700" cap="flat" cmpd="sng" algn="ctr">
+                      <a:solidFill>
+                        <a:srgbClr val="000000"/>
+                      </a:solidFill>
+                      <a:prstDash val="solid"/>
+                      <a:round/>
+                      <a:headEnd type="none" w="med" len="med"/>
+                      <a:tailEnd type="none" w="med" len="med"/>
+                    </a:lnT>
+                    <a:lnB w="12700" cap="flat" cmpd="sng" algn="ctr">
+                      <a:solidFill>
+                        <a:srgbClr val="000000"/>
+                      </a:solidFill>
+                      <a:prstDash val="solid"/>
+                      <a:round/>
+                      <a:headEnd type="none" w="med" len="med"/>
+                      <a:tailEnd type="none" w="med" len="med"/>
+                    </a:lnB>
+                  </a:tcPr>
+                </a:tc>
+                <a:extLst>
+                  <a:ext uri="{0D108BD9-81ED-4DB2-BD59-A6C34878D82A}">
+                    <a16:rowId xmlns:a16="http://schemas.microsoft.com/office/drawing/2014/main" val="10004"/>
+                  </a:ext>
+                </a:extLst>
+              </a:tr>
+            </a:tbl>
+          </a:graphicData>
+        </a:graphic>
+      </p:graphicFrame>
+    </p:spTree>
+    <p:extLst>
+      <p:ext uri="{BB962C8B-B14F-4D97-AF65-F5344CB8AC3E}">
+        <p14:creationId xmlns:p14="http://schemas.microsoft.com/office/powerpoint/2010/main" val="1219439611"/>
+      </p:ext>
+    </p:extLst>
+  </p:cSld>
+  <p:clrMapOvr>
+    <a:masterClrMapping/>
+  </p:clrMapOvr>
+</p:sld>
+</file>
+
+<file path=ppt/slides/slide3.xml><?xml version="1.0" encoding="utf-8"?>
+<p:sld xmlns:a="http://schemas.openxmlformats.org/drawingml/2006/main" xmlns:r="http://schemas.openxmlformats.org/officeDocument/2006/relationships" xmlns:p="http://schemas.openxmlformats.org/presentationml/2006/main">
+  <p:cSld>
+    <p:spTree>
+      <p:nvGrpSpPr>
+        <p:cNvPr id="1" name=""/>
+        <p:cNvGrpSpPr/>
+        <p:nvPr/>
+      </p:nvGrpSpPr>
+      <p:grpSpPr>
+        <a:xfrm>
+          <a:off x="0" y="0"/>
+          <a:ext cx="0" cy="0"/>
+          <a:chOff x="0" y="0"/>
+          <a:chExt cx="0" cy="0"/>
+        </a:xfrm>
+      </p:grpSpPr>
+      <p:graphicFrame>
+        <p:nvGraphicFramePr>
+          <p:cNvPr id="4" name="5 Tabla"/>
+          <p:cNvGraphicFramePr>
+            <a:graphicFrameLocks noGrp="1"/>
+          </p:cNvGraphicFramePr>
+          <p:nvPr>
+            <p:extLst>
+              <p:ext uri="{D42A27DB-BD31-4B8C-83A1-F6EECF244321}">
+                <p14:modId xmlns:p14="http://schemas.microsoft.com/office/powerpoint/2010/main" val="3134463232"/>
+              </p:ext>
+            </p:extLst>
+          </p:nvPr>
+        </p:nvGraphicFramePr>
+        <p:xfrm>
+          <a:off x="323528" y="332656"/>
+          <a:ext cx="8280919" cy="2785847"/>
+        </p:xfrm>
+        <a:graphic>
+          <a:graphicData uri="http://schemas.openxmlformats.org/drawingml/2006/table">
+            <a:tbl>
+              <a:tblPr/>
+              <a:tblGrid>
+                <a:gridCol w="1003748">
+                  <a:extLst>
+                    <a:ext uri="{9D8B030D-6E8A-4147-A177-3AD203B41FA5}">
+                      <a16:colId xmlns:a16="http://schemas.microsoft.com/office/drawing/2014/main" val="20000"/>
+                    </a:ext>
+                  </a:extLst>
+                </a:gridCol>
+                <a:gridCol w="2091141">
+                  <a:extLst>
+                    <a:ext uri="{9D8B030D-6E8A-4147-A177-3AD203B41FA5}">
+                      <a16:colId xmlns:a16="http://schemas.microsoft.com/office/drawing/2014/main" val="20001"/>
+                    </a:ext>
+                  </a:extLst>
+                </a:gridCol>
+                <a:gridCol w="5186030">
+                  <a:extLst>
+                    <a:ext uri="{9D8B030D-6E8A-4147-A177-3AD203B41FA5}">
+                      <a16:colId xmlns:a16="http://schemas.microsoft.com/office/drawing/2014/main" val="20002"/>
+                    </a:ext>
+                  </a:extLst>
+                </a:gridCol>
+              </a:tblGrid>
+              <a:tr h="44599">
+                <a:tc gridSpan="3">
+                  <a:txBody>
+                    <a:bodyPr/>
+                    <a:lstStyle/>
+                    <a:p>
+                      <a:pPr hangingPunct="0">
+                        <a:spcAft>
+                          <a:spcPts val="0"/>
+                        </a:spcAft>
+                      </a:pPr>
+                      <a:r>
+                        <a:rPr lang="es-ES" sz="1000" b="1" cap="small" dirty="0">
+                          <a:latin typeface="Verdana"/>
+                          <a:ea typeface="Times New Roman"/>
+                        </a:rPr>
+                        <a:t>Roles de la Gestión de Proyectos:</a:t>
+                      </a:r>
+                      <a:r>
+                        <a:rPr lang="es-ES" sz="900" b="1" cap="small" dirty="0">
+                          <a:latin typeface="Verdana"/>
+                          <a:ea typeface="Times New Roman"/>
+                        </a:rPr>
+                        <a:t> </a:t>
+                      </a:r>
+                      <a:r>
+                        <a:rPr lang="es-ES" sz="900" i="1" cap="small" dirty="0">
+                          <a:latin typeface="Verdana"/>
+                          <a:ea typeface="Times New Roman"/>
+                        </a:rPr>
+                        <a:t>Roles que se necesitan para realizar la gestión de Proyectos</a:t>
+                      </a:r>
+                      <a:r>
+                        <a:rPr lang="es-ES" sz="800" i="1" cap="small" dirty="0">
+                          <a:latin typeface="Verdana"/>
+                          <a:ea typeface="Times New Roman"/>
+                        </a:rPr>
+                        <a:t>.</a:t>
+                      </a:r>
+                      <a:endParaRPr lang="es-PE" sz="1000" dirty="0">
+                        <a:latin typeface="Times New Roman"/>
+                        <a:ea typeface="Times New Roman"/>
+                      </a:endParaRPr>
+                    </a:p>
+                  </a:txBody>
+                  <a:tcPr marL="68580" marR="68580" marT="0" marB="0" anchor="ctr">
+                    <a:lnL w="12700" cap="flat" cmpd="sng" algn="ctr">
+                      <a:solidFill>
+                        <a:srgbClr val="000000"/>
+                      </a:solidFill>
+                      <a:prstDash val="solid"/>
+                      <a:round/>
+                      <a:headEnd type="none" w="med" len="med"/>
+                      <a:tailEnd type="none" w="med" len="med"/>
+                    </a:lnL>
+                    <a:lnR w="12700" cap="flat" cmpd="sng" algn="ctr">
+                      <a:solidFill>
+                        <a:srgbClr val="000000"/>
+                      </a:solidFill>
+                      <a:prstDash val="solid"/>
+                      <a:round/>
+                      <a:headEnd type="none" w="med" len="med"/>
+                      <a:tailEnd type="none" w="med" len="med"/>
+                    </a:lnR>
+                    <a:lnT w="12700" cap="flat" cmpd="sng" algn="ctr">
+                      <a:solidFill>
+                        <a:srgbClr val="000000"/>
+                      </a:solidFill>
+                      <a:prstDash val="solid"/>
+                      <a:round/>
+                      <a:headEnd type="none" w="med" len="med"/>
+                      <a:tailEnd type="none" w="med" len="med"/>
+                    </a:lnT>
+                    <a:lnB w="12700" cap="flat" cmpd="sng" algn="ctr">
+                      <a:solidFill>
+                        <a:srgbClr val="000000"/>
+                      </a:solidFill>
+                      <a:prstDash val="solid"/>
+                      <a:round/>
+                      <a:headEnd type="none" w="med" len="med"/>
+                      <a:tailEnd type="none" w="med" len="med"/>
+                    </a:lnB>
+                    <a:solidFill>
+                      <a:srgbClr val="D9D9D9"/>
+                    </a:solidFill>
+                  </a:tcPr>
+                </a:tc>
+                <a:tc hMerge="1">
+                  <a:txBody>
+                    <a:bodyPr/>
+                    <a:lstStyle/>
+                    <a:p>
+                      <a:endParaRPr lang="es-PE"/>
+                    </a:p>
+                  </a:txBody>
+                  <a:tcPr/>
+                </a:tc>
+                <a:tc hMerge="1">
+                  <a:txBody>
+                    <a:bodyPr/>
+                    <a:lstStyle/>
+                    <a:p>
+                      <a:endParaRPr lang="es-PE"/>
+                    </a:p>
+                  </a:txBody>
+                  <a:tcPr/>
+                </a:tc>
+                <a:extLst>
+                  <a:ext uri="{0D108BD9-81ED-4DB2-BD59-A6C34878D82A}">
+                    <a16:rowId xmlns:a16="http://schemas.microsoft.com/office/drawing/2014/main" val="10000"/>
+                  </a:ext>
+                </a:extLst>
+              </a:tr>
+              <a:tr h="502506">
+                <a:tc>
+                  <a:txBody>
+                    <a:bodyPr/>
+                    <a:lstStyle/>
+                    <a:p>
+                      <a:pPr algn="ctr" hangingPunct="0">
+                        <a:spcAft>
+                          <a:spcPts val="0"/>
+                        </a:spcAft>
+                      </a:pPr>
+                      <a:r>
+                        <a:rPr lang="es-ES" sz="900" b="1" i="1" cap="small">
+                          <a:latin typeface="Verdana"/>
+                          <a:ea typeface="Times New Roman"/>
+                        </a:rPr>
+                        <a:t>Nombre </a:t>
+                      </a:r>
+                      <a:endParaRPr lang="es-PE" sz="1000">
+                        <a:latin typeface="Times New Roman"/>
+                        <a:ea typeface="Times New Roman"/>
+                      </a:endParaRPr>
+                    </a:p>
+                    <a:p>
+                      <a:pPr algn="ctr" hangingPunct="0">
+                        <a:spcAft>
+                          <a:spcPts val="0"/>
+                        </a:spcAft>
+                      </a:pPr>
+                      <a:r>
+                        <a:rPr lang="es-ES" sz="900" b="1" i="1" cap="small">
+                          <a:latin typeface="Verdana"/>
+                          <a:ea typeface="Times New Roman"/>
+                        </a:rPr>
+                        <a:t>del Rol</a:t>
+                      </a:r>
+                      <a:endParaRPr lang="es-PE" sz="1000">
+                        <a:latin typeface="Times New Roman"/>
+                        <a:ea typeface="Times New Roman"/>
+                      </a:endParaRPr>
+                    </a:p>
+                  </a:txBody>
+                  <a:tcPr marL="68580" marR="68580" marT="0" marB="0" anchor="ctr">
+                    <a:lnL w="12700" cap="flat" cmpd="sng" algn="ctr">
+                      <a:solidFill>
+                        <a:srgbClr val="000000"/>
+                      </a:solidFill>
+                      <a:prstDash val="solid"/>
+                      <a:round/>
+                      <a:headEnd type="none" w="med" len="med"/>
+                      <a:tailEnd type="none" w="med" len="med"/>
+                    </a:lnL>
+                    <a:lnR w="12700" cap="flat" cmpd="sng" algn="ctr">
+                      <a:solidFill>
+                        <a:srgbClr val="000000"/>
+                      </a:solidFill>
+                      <a:prstDash val="solid"/>
+                      <a:round/>
+                      <a:headEnd type="none" w="med" len="med"/>
+                      <a:tailEnd type="none" w="med" len="med"/>
+                    </a:lnR>
+                    <a:lnT w="12700" cap="flat" cmpd="sng" algn="ctr">
+                      <a:solidFill>
+                        <a:srgbClr val="000000"/>
+                      </a:solidFill>
+                      <a:prstDash val="solid"/>
+                      <a:round/>
+                      <a:headEnd type="none" w="med" len="med"/>
+                      <a:tailEnd type="none" w="med" len="med"/>
+                    </a:lnT>
+                    <a:lnB w="12700" cap="flat" cmpd="sng" algn="ctr">
+                      <a:solidFill>
+                        <a:srgbClr val="000000"/>
+                      </a:solidFill>
+                      <a:prstDash val="solid"/>
+                      <a:round/>
+                      <a:headEnd type="none" w="med" len="med"/>
+                      <a:tailEnd type="none" w="med" len="med"/>
+                    </a:lnB>
+                    <a:solidFill>
+                      <a:srgbClr val="F2F2F2"/>
+                    </a:solidFill>
+                  </a:tcPr>
+                </a:tc>
+                <a:tc>
+                  <a:txBody>
+                    <a:bodyPr/>
+                    <a:lstStyle/>
+                    <a:p>
+                      <a:pPr algn="ctr" hangingPunct="0">
+                        <a:spcAft>
+                          <a:spcPts val="0"/>
+                        </a:spcAft>
+                      </a:pPr>
+                      <a:r>
+                        <a:rPr lang="es-ES" sz="900" b="1" i="1" cap="small">
+                          <a:latin typeface="Verdana"/>
+                          <a:ea typeface="Times New Roman"/>
+                        </a:rPr>
+                        <a:t>Persona Asignada</a:t>
+                      </a:r>
+                      <a:endParaRPr lang="es-PE" sz="1000">
+                        <a:latin typeface="Times New Roman"/>
+                        <a:ea typeface="Times New Roman"/>
+                      </a:endParaRPr>
+                    </a:p>
+                  </a:txBody>
+                  <a:tcPr marL="68580" marR="68580" marT="0" marB="0" anchor="ctr">
+                    <a:lnL w="12700" cap="flat" cmpd="sng" algn="ctr">
+                      <a:solidFill>
+                        <a:srgbClr val="000000"/>
+                      </a:solidFill>
+                      <a:prstDash val="solid"/>
+                      <a:round/>
+                      <a:headEnd type="none" w="med" len="med"/>
+                      <a:tailEnd type="none" w="med" len="med"/>
+                    </a:lnL>
+                    <a:lnR w="12700" cap="flat" cmpd="sng" algn="ctr">
+                      <a:solidFill>
+                        <a:srgbClr val="000000"/>
+                      </a:solidFill>
+                      <a:prstDash val="solid"/>
+                      <a:round/>
+                      <a:headEnd type="none" w="med" len="med"/>
+                      <a:tailEnd type="none" w="med" len="med"/>
+                    </a:lnR>
+                    <a:lnT w="12700" cap="flat" cmpd="sng" algn="ctr">
+                      <a:solidFill>
+                        <a:srgbClr val="000000"/>
+                      </a:solidFill>
+                      <a:prstDash val="solid"/>
+                      <a:round/>
+                      <a:headEnd type="none" w="med" len="med"/>
+                      <a:tailEnd type="none" w="med" len="med"/>
+                    </a:lnT>
+                    <a:lnB w="12700" cap="flat" cmpd="sng" algn="ctr">
+                      <a:solidFill>
+                        <a:srgbClr val="000000"/>
+                      </a:solidFill>
+                      <a:prstDash val="solid"/>
+                      <a:round/>
+                      <a:headEnd type="none" w="med" len="med"/>
+                      <a:tailEnd type="none" w="med" len="med"/>
+                    </a:lnB>
+                    <a:solidFill>
+                      <a:srgbClr val="F2F2F2"/>
+                    </a:solidFill>
+                  </a:tcPr>
+                </a:tc>
+                <a:tc>
+                  <a:txBody>
+                    <a:bodyPr/>
+                    <a:lstStyle/>
+                    <a:p>
+                      <a:pPr algn="ctr" hangingPunct="0">
+                        <a:spcAft>
+                          <a:spcPts val="0"/>
+                        </a:spcAft>
+                      </a:pPr>
+                      <a:r>
+                        <a:rPr lang="es-ES" sz="900" b="1" i="1" cap="small" dirty="0">
+                          <a:latin typeface="Verdana"/>
+                          <a:ea typeface="Times New Roman"/>
+                        </a:rPr>
+                        <a:t>Responsabilidades</a:t>
+                      </a:r>
+                      <a:endParaRPr lang="es-PE" sz="1000" dirty="0">
+                        <a:latin typeface="Times New Roman"/>
+                        <a:ea typeface="Times New Roman"/>
+                      </a:endParaRPr>
+                    </a:p>
+                  </a:txBody>
+                  <a:tcPr marL="68580" marR="68580" marT="0" marB="0" anchor="ctr">
+                    <a:lnL w="12700" cap="flat" cmpd="sng" algn="ctr">
+                      <a:solidFill>
+                        <a:srgbClr val="000000"/>
+                      </a:solidFill>
+                      <a:prstDash val="solid"/>
+                      <a:round/>
+                      <a:headEnd type="none" w="med" len="med"/>
+                      <a:tailEnd type="none" w="med" len="med"/>
+                    </a:lnL>
+                    <a:lnR w="12700" cap="flat" cmpd="sng" algn="ctr">
+                      <a:solidFill>
+                        <a:srgbClr val="000000"/>
+                      </a:solidFill>
+                      <a:prstDash val="solid"/>
+                      <a:round/>
+                      <a:headEnd type="none" w="med" len="med"/>
+                      <a:tailEnd type="none" w="med" len="med"/>
+                    </a:lnR>
+                    <a:lnT w="12700" cap="flat" cmpd="sng" algn="ctr">
+                      <a:solidFill>
+                        <a:srgbClr val="000000"/>
+                      </a:solidFill>
+                      <a:prstDash val="solid"/>
+                      <a:round/>
+                      <a:headEnd type="none" w="med" len="med"/>
+                      <a:tailEnd type="none" w="med" len="med"/>
+                    </a:lnT>
+                    <a:lnB w="12700" cap="flat" cmpd="sng" algn="ctr">
+                      <a:solidFill>
+                        <a:srgbClr val="000000"/>
+                      </a:solidFill>
+                      <a:prstDash val="solid"/>
+                      <a:round/>
+                      <a:headEnd type="none" w="med" len="med"/>
+                      <a:tailEnd type="none" w="med" len="med"/>
+                    </a:lnB>
+                    <a:solidFill>
+                      <a:srgbClr val="F2F2F2"/>
+                    </a:solidFill>
+                  </a:tcPr>
+                </a:tc>
+                <a:extLst>
+                  <a:ext uri="{0D108BD9-81ED-4DB2-BD59-A6C34878D82A}">
+                    <a16:rowId xmlns:a16="http://schemas.microsoft.com/office/drawing/2014/main" val="10001"/>
+                  </a:ext>
+                </a:extLst>
+              </a:tr>
+              <a:tr h="1628435">
+                <a:tc>
+                  <a:txBody>
+                    <a:bodyPr/>
+                    <a:lstStyle/>
+                    <a:p>
+                      <a:pPr algn="ctr" fontAlgn="auto" hangingPunct="1">
+                        <a:spcAft>
+                          <a:spcPts val="0"/>
+                        </a:spcAft>
+                      </a:pPr>
+                      <a:r>
+                        <a:rPr lang="es-PE" sz="900" dirty="0">
+                          <a:latin typeface="Arial"/>
+                          <a:ea typeface="Times New Roman"/>
+                        </a:rPr>
+                        <a:t>Gestor</a:t>
+                      </a:r>
+                      <a:r>
+                        <a:rPr lang="es-PE" sz="900" baseline="0" dirty="0">
+                          <a:latin typeface="Arial"/>
+                          <a:ea typeface="Times New Roman"/>
+                        </a:rPr>
+                        <a:t> d Proyecto</a:t>
+                      </a:r>
+                      <a:endParaRPr lang="es-PE" sz="1000" dirty="0">
+                        <a:latin typeface="Times New Roman"/>
+                        <a:ea typeface="Times New Roman"/>
+                      </a:endParaRPr>
+                    </a:p>
+                  </a:txBody>
+                  <a:tcPr marL="68580" marR="68580" marT="0" marB="0" anchor="ctr">
+                    <a:lnL w="12700" cap="flat" cmpd="sng" algn="ctr">
+                      <a:solidFill>
+                        <a:srgbClr val="000000"/>
+                      </a:solidFill>
+                      <a:prstDash val="solid"/>
+                      <a:round/>
+                      <a:headEnd type="none" w="med" len="med"/>
+                      <a:tailEnd type="none" w="med" len="med"/>
+                    </a:lnL>
+                    <a:lnR w="12700" cap="flat" cmpd="sng" algn="ctr">
+                      <a:solidFill>
+                        <a:srgbClr val="000000"/>
+                      </a:solidFill>
+                      <a:prstDash val="solid"/>
+                      <a:round/>
+                      <a:headEnd type="none" w="med" len="med"/>
+                      <a:tailEnd type="none" w="med" len="med"/>
+                    </a:lnR>
+                    <a:lnT w="12700" cap="flat" cmpd="sng" algn="ctr">
+                      <a:solidFill>
+                        <a:srgbClr val="000000"/>
+                      </a:solidFill>
+                      <a:prstDash val="solid"/>
+                      <a:round/>
+                      <a:headEnd type="none" w="med" len="med"/>
+                      <a:tailEnd type="none" w="med" len="med"/>
+                    </a:lnT>
+                    <a:lnB w="12700" cap="flat" cmpd="sng" algn="ctr">
+                      <a:solidFill>
+                        <a:srgbClr val="000000"/>
+                      </a:solidFill>
+                      <a:prstDash val="solid"/>
+                      <a:round/>
+                      <a:headEnd type="none" w="med" len="med"/>
+                      <a:tailEnd type="none" w="med" len="med"/>
+                    </a:lnB>
+                  </a:tcPr>
+                </a:tc>
+                <a:tc>
+                  <a:txBody>
+                    <a:bodyPr/>
+                    <a:lstStyle/>
+                    <a:p>
+                      <a:pPr algn="ctr" fontAlgn="auto" hangingPunct="1">
+                        <a:spcAft>
+                          <a:spcPts val="0"/>
+                        </a:spcAft>
+                      </a:pPr>
+                      <a:r>
+                        <a:rPr lang="es-PE" sz="900" dirty="0">
+                          <a:latin typeface="Arial"/>
+                          <a:ea typeface="Times New Roman"/>
+                        </a:rPr>
+                        <a:t>José Antón</a:t>
+                      </a:r>
+                      <a:endParaRPr lang="es-PE" sz="1000" dirty="0">
+                        <a:latin typeface="Times New Roman"/>
+                        <a:ea typeface="Times New Roman"/>
+                      </a:endParaRPr>
+                    </a:p>
+                  </a:txBody>
+                  <a:tcPr marL="68580" marR="68580" marT="0" marB="0" anchor="ctr">
+                    <a:lnL w="12700" cap="flat" cmpd="sng" algn="ctr">
+                      <a:solidFill>
+                        <a:srgbClr val="000000"/>
+                      </a:solidFill>
+                      <a:prstDash val="solid"/>
+                      <a:round/>
+                      <a:headEnd type="none" w="med" len="med"/>
+                      <a:tailEnd type="none" w="med" len="med"/>
+                    </a:lnL>
+                    <a:lnR w="12700" cap="flat" cmpd="sng" algn="ctr">
+                      <a:solidFill>
+                        <a:srgbClr val="000000"/>
+                      </a:solidFill>
+                      <a:prstDash val="solid"/>
+                      <a:round/>
+                      <a:headEnd type="none" w="med" len="med"/>
+                      <a:tailEnd type="none" w="med" len="med"/>
+                    </a:lnR>
+                    <a:lnT w="12700" cap="flat" cmpd="sng" algn="ctr">
+                      <a:solidFill>
+                        <a:srgbClr val="000000"/>
+                      </a:solidFill>
+                      <a:prstDash val="solid"/>
+                      <a:round/>
+                      <a:headEnd type="none" w="med" len="med"/>
+                      <a:tailEnd type="none" w="med" len="med"/>
+                    </a:lnT>
+                    <a:lnB w="12700" cap="flat" cmpd="sng" algn="ctr">
+                      <a:solidFill>
+                        <a:srgbClr val="000000"/>
+                      </a:solidFill>
+                      <a:prstDash val="solid"/>
+                      <a:round/>
+                      <a:headEnd type="none" w="med" len="med"/>
+                      <a:tailEnd type="none" w="med" len="med"/>
+                    </a:lnB>
+                  </a:tcPr>
+                </a:tc>
+                <a:tc>
+                  <a:txBody>
+                    <a:bodyPr/>
+                    <a:lstStyle/>
+                    <a:p>
+                      <a:pPr algn="just" fontAlgn="auto" hangingPunct="1">
+                        <a:spcAft>
+                          <a:spcPts val="0"/>
+                        </a:spcAft>
+                      </a:pPr>
+                      <a:r>
+                        <a:rPr lang="es-PE" sz="1000" dirty="0" smtClean="0"/>
+                        <a:t>-Colaborar en la elaboración del plan de gestión del proyecto,</a:t>
+                      </a:r>
+                      <a:r>
+                        <a:rPr lang="es-PE" sz="1000" baseline="0" dirty="0" smtClean="0"/>
+                        <a:t> </a:t>
+                      </a:r>
+                      <a:r>
+                        <a:rPr lang="es-PE" sz="1000" dirty="0" smtClean="0"/>
+                        <a:t>informe de estado de proyecto,</a:t>
+                      </a:r>
+                      <a:r>
+                        <a:rPr lang="es-PE" sz="1000" baseline="0" dirty="0" smtClean="0"/>
+                        <a:t> </a:t>
+                      </a:r>
+                      <a:r>
+                        <a:rPr lang="es-PE" sz="1000" dirty="0" smtClean="0"/>
+                        <a:t>informes necesarios para las reuniones de Alta Dirección y del JP. </a:t>
+                      </a:r>
+                    </a:p>
+                    <a:p>
+                      <a:pPr algn="just" fontAlgn="auto" hangingPunct="1">
+                        <a:spcAft>
+                          <a:spcPts val="0"/>
+                        </a:spcAft>
+                      </a:pPr>
+                      <a:r>
+                        <a:rPr lang="es-PE" sz="1000" dirty="0" smtClean="0"/>
+                        <a:t>-Colaborar en las labores de seguimiento, coordinación y control de las actividades del proyecto. </a:t>
+                      </a:r>
+                    </a:p>
+                    <a:p>
+                      <a:pPr algn="just" fontAlgn="auto" hangingPunct="1">
+                        <a:spcAft>
+                          <a:spcPts val="0"/>
+                        </a:spcAft>
+                      </a:pPr>
+                      <a:r>
+                        <a:rPr lang="es-PE" sz="1000" dirty="0" smtClean="0"/>
+                        <a:t>-Colaborar en la gestión de riesgos del proyecto</a:t>
+                      </a:r>
+                      <a:r>
+                        <a:rPr lang="es-PE" sz="1000" baseline="0" dirty="0" smtClean="0"/>
+                        <a:t> e</a:t>
+                      </a:r>
+                      <a:r>
+                        <a:rPr lang="es-PE" sz="1000" dirty="0" smtClean="0"/>
+                        <a:t> informe de cierre del proyecto. </a:t>
+                      </a:r>
+                    </a:p>
+                    <a:p>
+                      <a:pPr algn="just" fontAlgn="auto" hangingPunct="1">
+                        <a:spcAft>
+                          <a:spcPts val="0"/>
+                        </a:spcAft>
+                      </a:pPr>
+                      <a:r>
+                        <a:rPr lang="es-PE" sz="1000" dirty="0" smtClean="0">
+                          <a:latin typeface="Arial"/>
+                          <a:ea typeface="Times New Roman"/>
+                        </a:rPr>
+                        <a:t>-Captar las iniciativas de cambio de los Interesados y formalizarlas en Solicitudes de Cambio.</a:t>
+                      </a:r>
+                      <a:endParaRPr lang="es-PE" sz="1050" dirty="0" smtClean="0">
+                        <a:latin typeface="Times New Roman"/>
+                        <a:ea typeface="Times New Roman"/>
+                      </a:endParaRPr>
+                    </a:p>
+                    <a:p>
+                      <a:pPr algn="just" fontAlgn="auto" hangingPunct="1">
+                        <a:spcAft>
+                          <a:spcPts val="0"/>
+                        </a:spcAft>
+                      </a:pPr>
+                      <a:r>
+                        <a:rPr lang="es-PE" sz="1000" dirty="0" smtClean="0">
+                          <a:latin typeface="Arial"/>
+                          <a:ea typeface="Times New Roman"/>
+                        </a:rPr>
+                        <a:t>-Evaluar impactos de las Solicitudes de Cambio y hacer recomendaciones.</a:t>
+                      </a:r>
+                      <a:endParaRPr lang="es-PE" sz="1050" dirty="0" smtClean="0">
+                        <a:latin typeface="Times New Roman"/>
+                        <a:ea typeface="Times New Roman"/>
+                      </a:endParaRPr>
+                    </a:p>
+                    <a:p>
+                      <a:pPr algn="just" fontAlgn="auto" hangingPunct="1">
+                        <a:spcAft>
+                          <a:spcPts val="0"/>
+                        </a:spcAft>
+                      </a:pPr>
+                      <a:endParaRPr lang="es-PE" sz="1000" dirty="0">
+                        <a:latin typeface="Times New Roman"/>
+                        <a:ea typeface="Times New Roman"/>
+                      </a:endParaRPr>
+                    </a:p>
+                  </a:txBody>
+                  <a:tcPr marL="68580" marR="68580" marT="0" marB="0" anchor="ctr">
+                    <a:lnL w="12700" cap="flat" cmpd="sng" algn="ctr">
+                      <a:solidFill>
+                        <a:srgbClr val="000000"/>
+                      </a:solidFill>
+                      <a:prstDash val="solid"/>
+                      <a:round/>
+                      <a:headEnd type="none" w="med" len="med"/>
+                      <a:tailEnd type="none" w="med" len="med"/>
+                    </a:lnL>
+                    <a:lnR w="12700" cap="flat" cmpd="sng" algn="ctr">
+                      <a:solidFill>
+                        <a:srgbClr val="000000"/>
+                      </a:solidFill>
+                      <a:prstDash val="solid"/>
+                      <a:round/>
+                      <a:headEnd type="none" w="med" len="med"/>
+                      <a:tailEnd type="none" w="med" len="med"/>
+                    </a:lnR>
+                    <a:lnT w="12700" cap="flat" cmpd="sng" algn="ctr">
+                      <a:solidFill>
+                        <a:srgbClr val="000000"/>
+                      </a:solidFill>
+                      <a:prstDash val="solid"/>
+                      <a:round/>
+                      <a:headEnd type="none" w="med" len="med"/>
+                      <a:tailEnd type="none" w="med" len="med"/>
+                    </a:lnT>
+                    <a:lnB w="12700" cap="flat" cmpd="sng" algn="ctr">
+                      <a:solidFill>
+                        <a:srgbClr val="000000"/>
+                      </a:solidFill>
+                      <a:prstDash val="solid"/>
+                      <a:round/>
+                      <a:headEnd type="none" w="med" len="med"/>
+                      <a:tailEnd type="none" w="med" len="med"/>
+                    </a:lnB>
+                  </a:tcPr>
+                </a:tc>
+                <a:extLst>
+                  <a:ext uri="{0D108BD9-81ED-4DB2-BD59-A6C34878D82A}">
+                    <a16:rowId xmlns:a16="http://schemas.microsoft.com/office/drawing/2014/main" val="10005"/>
+                  </a:ext>
+                </a:extLst>
+              </a:tr>
+              <a:tr h="502506">
+                <a:tc>
+                  <a:txBody>
+                    <a:bodyPr/>
+                    <a:lstStyle/>
+                    <a:p>
+                      <a:pPr algn="ctr" fontAlgn="auto" hangingPunct="1">
+                        <a:spcAft>
+                          <a:spcPts val="0"/>
+                        </a:spcAft>
+                      </a:pPr>
+                      <a:r>
+                        <a:rPr lang="es-PE" sz="900">
+                          <a:latin typeface="Arial"/>
+                          <a:ea typeface="Times New Roman"/>
+                        </a:rPr>
+                        <a:t>Interesados</a:t>
+                      </a:r>
+                      <a:endParaRPr lang="es-PE" sz="1000">
+                        <a:latin typeface="Times New Roman"/>
+                        <a:ea typeface="Times New Roman"/>
+                      </a:endParaRPr>
+                    </a:p>
+                  </a:txBody>
+                  <a:tcPr marL="68580" marR="68580" marT="0" marB="0" anchor="ctr">
+                    <a:lnL w="12700" cap="flat" cmpd="sng" algn="ctr">
+                      <a:solidFill>
+                        <a:srgbClr val="000000"/>
+                      </a:solidFill>
+                      <a:prstDash val="solid"/>
+                      <a:round/>
+                      <a:headEnd type="none" w="med" len="med"/>
+                      <a:tailEnd type="none" w="med" len="med"/>
+                    </a:lnL>
+                    <a:lnR w="12700" cap="flat" cmpd="sng" algn="ctr">
+                      <a:solidFill>
+                        <a:srgbClr val="000000"/>
+                      </a:solidFill>
+                      <a:prstDash val="solid"/>
+                      <a:round/>
+                      <a:headEnd type="none" w="med" len="med"/>
+                      <a:tailEnd type="none" w="med" len="med"/>
+                    </a:lnR>
+                    <a:lnT w="12700" cap="flat" cmpd="sng" algn="ctr">
+                      <a:solidFill>
+                        <a:srgbClr val="000000"/>
+                      </a:solidFill>
+                      <a:prstDash val="solid"/>
+                      <a:round/>
+                      <a:headEnd type="none" w="med" len="med"/>
+                      <a:tailEnd type="none" w="med" len="med"/>
+                    </a:lnT>
+                    <a:lnB w="12700" cap="flat" cmpd="sng" algn="ctr">
+                      <a:solidFill>
+                        <a:srgbClr val="000000"/>
+                      </a:solidFill>
+                      <a:prstDash val="solid"/>
+                      <a:round/>
+                      <a:headEnd type="none" w="med" len="med"/>
+                      <a:tailEnd type="none" w="med" len="med"/>
+                    </a:lnB>
+                  </a:tcPr>
+                </a:tc>
+                <a:tc>
+                  <a:txBody>
+                    <a:bodyPr/>
+                    <a:lstStyle/>
+                    <a:p>
+                      <a:pPr algn="ctr" fontAlgn="auto" hangingPunct="1">
+                        <a:spcAft>
+                          <a:spcPts val="0"/>
+                        </a:spcAft>
+                      </a:pPr>
+                      <a:r>
+                        <a:rPr lang="es-PE" sz="900" dirty="0">
+                          <a:latin typeface="Arial"/>
+                          <a:ea typeface="Times New Roman"/>
+                        </a:rPr>
+                        <a:t>Cualquiera</a:t>
+                      </a:r>
+                      <a:endParaRPr lang="es-PE" sz="1000" dirty="0">
+                        <a:latin typeface="Times New Roman"/>
+                        <a:ea typeface="Times New Roman"/>
+                      </a:endParaRPr>
+                    </a:p>
+                  </a:txBody>
+                  <a:tcPr marL="68580" marR="68580" marT="0" marB="0" anchor="ctr">
+                    <a:lnL w="12700" cap="flat" cmpd="sng" algn="ctr">
+                      <a:solidFill>
+                        <a:srgbClr val="000000"/>
+                      </a:solidFill>
+                      <a:prstDash val="solid"/>
+                      <a:round/>
+                      <a:headEnd type="none" w="med" len="med"/>
+                      <a:tailEnd type="none" w="med" len="med"/>
+                    </a:lnL>
+                    <a:lnR w="12700" cap="flat" cmpd="sng" algn="ctr">
+                      <a:solidFill>
+                        <a:srgbClr val="000000"/>
+                      </a:solidFill>
+                      <a:prstDash val="solid"/>
+                      <a:round/>
+                      <a:headEnd type="none" w="med" len="med"/>
+                      <a:tailEnd type="none" w="med" len="med"/>
+                    </a:lnR>
+                    <a:lnT w="12700" cap="flat" cmpd="sng" algn="ctr">
+                      <a:solidFill>
+                        <a:srgbClr val="000000"/>
+                      </a:solidFill>
+                      <a:prstDash val="solid"/>
+                      <a:round/>
+                      <a:headEnd type="none" w="med" len="med"/>
+                      <a:tailEnd type="none" w="med" len="med"/>
+                    </a:lnT>
+                    <a:lnB w="12700" cap="flat" cmpd="sng" algn="ctr">
+                      <a:solidFill>
+                        <a:srgbClr val="000000"/>
+                      </a:solidFill>
+                      <a:prstDash val="solid"/>
+                      <a:round/>
+                      <a:headEnd type="none" w="med" len="med"/>
+                      <a:tailEnd type="none" w="med" len="med"/>
+                    </a:lnB>
+                  </a:tcPr>
+                </a:tc>
+                <a:tc>
+                  <a:txBody>
+                    <a:bodyPr/>
+                    <a:lstStyle/>
+                    <a:p>
+                      <a:pPr algn="just" fontAlgn="auto" hangingPunct="1">
+                        <a:spcAft>
+                          <a:spcPts val="0"/>
+                        </a:spcAft>
+                      </a:pPr>
+                      <a:r>
+                        <a:rPr lang="es-PE" sz="900" dirty="0">
+                          <a:latin typeface="Arial"/>
+                          <a:ea typeface="Times New Roman"/>
+                        </a:rPr>
+                        <a:t>Solicitar cambios cuando lo crean conveniente y oportuno.</a:t>
+                      </a:r>
+                      <a:endParaRPr lang="es-PE" sz="1000" dirty="0">
+                        <a:latin typeface="Times New Roman"/>
+                        <a:ea typeface="Times New Roman"/>
+                      </a:endParaRPr>
+                    </a:p>
+                  </a:txBody>
+                  <a:tcPr marL="68580" marR="68580" marT="0" marB="0" anchor="ctr">
+                    <a:lnL w="12700" cap="flat" cmpd="sng" algn="ctr">
+                      <a:solidFill>
+                        <a:srgbClr val="000000"/>
+                      </a:solidFill>
+                      <a:prstDash val="solid"/>
+                      <a:round/>
+                      <a:headEnd type="none" w="med" len="med"/>
+                      <a:tailEnd type="none" w="med" len="med"/>
+                    </a:lnL>
+                    <a:lnR w="12700" cap="flat" cmpd="sng" algn="ctr">
+                      <a:solidFill>
+                        <a:srgbClr val="000000"/>
+                      </a:solidFill>
+                      <a:prstDash val="solid"/>
+                      <a:round/>
+                      <a:headEnd type="none" w="med" len="med"/>
+                      <a:tailEnd type="none" w="med" len="med"/>
+                    </a:lnR>
+                    <a:lnT w="12700" cap="flat" cmpd="sng" algn="ctr">
+                      <a:solidFill>
+                        <a:srgbClr val="000000"/>
+                      </a:solidFill>
+                      <a:prstDash val="solid"/>
+                      <a:round/>
+                      <a:headEnd type="none" w="med" len="med"/>
+                      <a:tailEnd type="none" w="med" len="med"/>
+                    </a:lnT>
+                    <a:lnB w="12700" cap="flat" cmpd="sng" algn="ctr">
+                      <a:solidFill>
+                        <a:srgbClr val="000000"/>
+                      </a:solidFill>
+                      <a:prstDash val="solid"/>
+                      <a:round/>
+                      <a:headEnd type="none" w="med" len="med"/>
+                      <a:tailEnd type="none" w="med" len="med"/>
+                    </a:lnB>
+                  </a:tcPr>
+                </a:tc>
+                <a:extLst>
+                  <a:ext uri="{0D108BD9-81ED-4DB2-BD59-A6C34878D82A}">
+                    <a16:rowId xmlns:a16="http://schemas.microsoft.com/office/drawing/2014/main" val="10006"/>
+                  </a:ext>
+                </a:extLst>
+              </a:tr>
+            </a:tbl>
+          </a:graphicData>
+        </a:graphic>
+      </p:graphicFrame>
+    </p:spTree>
+    <p:extLst>
+      <p:ext uri="{BB962C8B-B14F-4D97-AF65-F5344CB8AC3E}">
+        <p14:creationId xmlns:p14="http://schemas.microsoft.com/office/powerpoint/2010/main" val="824241144"/>
+      </p:ext>
+    </p:extLst>
   </p:cSld>
   <p:clrMapOvr>
     <a:masterClrMapping/>
